--- a/presentations/presentation-22_01_07.pptx
+++ b/presentations/presentation-22_01_07.pptx
@@ -217,6 +217,2236 @@
     </p:ext>
   </p:extLst>
 </p:presentation>
+</file>
+
+<file path=ppt/charts/chart1.xml><?xml version="1.0" encoding="utf-8"?>
+<c:chartSpace xmlns:c="http://schemas.openxmlformats.org/drawingml/2006/chart" xmlns:a="http://schemas.openxmlformats.org/drawingml/2006/main" xmlns:r="http://schemas.openxmlformats.org/officeDocument/2006/relationships" xmlns:c16r2="http://schemas.microsoft.com/office/drawing/2015/06/chart">
+  <c:date1904 val="0"/>
+  <c:lang val="de-DE"/>
+  <c:roundedCorners val="0"/>
+  <mc:AlternateContent xmlns:mc="http://schemas.openxmlformats.org/markup-compatibility/2006">
+    <mc:Choice xmlns:c14="http://schemas.microsoft.com/office/drawing/2007/8/2/chart" Requires="c14">
+      <c14:style val="102"/>
+    </mc:Choice>
+    <mc:Fallback>
+      <c:style val="2"/>
+    </mc:Fallback>
+  </mc:AlternateContent>
+  <c:chart>
+    <c:autoTitleDeleted val="1"/>
+    <c:plotArea>
+      <c:layout/>
+      <c:barChart>
+        <c:barDir val="col"/>
+        <c:grouping val="clustered"/>
+        <c:varyColors val="0"/>
+        <c:ser>
+          <c:idx val="0"/>
+          <c:order val="0"/>
+          <c:tx>
+            <c:strRef>
+              <c:f>Tabelle1!$B$1</c:f>
+              <c:strCache>
+                <c:ptCount val="1"/>
+                <c:pt idx="0">
+                  <c:v>Correct</c:v>
+                </c:pt>
+              </c:strCache>
+            </c:strRef>
+          </c:tx>
+          <c:spPr>
+            <a:solidFill>
+              <a:schemeClr val="accent3"/>
+            </a:solidFill>
+            <a:ln>
+              <a:noFill/>
+            </a:ln>
+            <a:effectLst/>
+          </c:spPr>
+          <c:invertIfNegative val="0"/>
+          <c:dLbls>
+            <c:spPr>
+              <a:noFill/>
+              <a:ln>
+                <a:noFill/>
+              </a:ln>
+              <a:effectLst/>
+            </c:spPr>
+            <c:txPr>
+              <a:bodyPr rot="0" spcFirstLastPara="1" vertOverflow="ellipsis" vert="horz" wrap="square" lIns="38100" tIns="19050" rIns="38100" bIns="19050" anchor="ctr" anchorCtr="1">
+                <a:spAutoFit/>
+              </a:bodyPr>
+              <a:lstStyle/>
+              <a:p>
+                <a:pPr>
+                  <a:defRPr sz="1197" b="0" i="0" u="none" strike="noStrike" kern="1200" baseline="0">
+                    <a:solidFill>
+                      <a:schemeClr val="tx1">
+                        <a:lumMod val="75000"/>
+                        <a:lumOff val="25000"/>
+                      </a:schemeClr>
+                    </a:solidFill>
+                    <a:latin typeface="+mn-lt"/>
+                    <a:ea typeface="+mn-ea"/>
+                    <a:cs typeface="+mn-cs"/>
+                  </a:defRPr>
+                </a:pPr>
+                <a:endParaRPr lang="de-DE"/>
+              </a:p>
+            </c:txPr>
+            <c:dLblPos val="outEnd"/>
+            <c:showLegendKey val="0"/>
+            <c:showVal val="1"/>
+            <c:showCatName val="0"/>
+            <c:showSerName val="0"/>
+            <c:showPercent val="0"/>
+            <c:showBubbleSize val="0"/>
+            <c:showLeaderLines val="0"/>
+            <c:extLst>
+              <c:ext xmlns:c15="http://schemas.microsoft.com/office/drawing/2012/chart" uri="{CE6537A1-D6FC-4f65-9D91-7224C49458BB}">
+                <c15:showLeaderLines val="1"/>
+                <c15:leaderLines>
+                  <c:spPr>
+                    <a:ln w="9525" cap="flat" cmpd="sng" algn="ctr">
+                      <a:solidFill>
+                        <a:schemeClr val="tx1">
+                          <a:lumMod val="35000"/>
+                          <a:lumOff val="65000"/>
+                        </a:schemeClr>
+                      </a:solidFill>
+                      <a:round/>
+                    </a:ln>
+                    <a:effectLst/>
+                  </c:spPr>
+                </c15:leaderLines>
+              </c:ext>
+            </c:extLst>
+          </c:dLbls>
+          <c:cat>
+            <c:strRef>
+              <c:f>Tabelle1!$A$2:$A$5</c:f>
+              <c:strCache>
+                <c:ptCount val="4"/>
+                <c:pt idx="0">
+                  <c:v>25-30 (+-5)</c:v>
+                </c:pt>
+                <c:pt idx="1">
+                  <c:v>42-48 (+-5)</c:v>
+                </c:pt>
+                <c:pt idx="2">
+                  <c:v>happy</c:v>
+                </c:pt>
+                <c:pt idx="3">
+                  <c:v>neutral</c:v>
+                </c:pt>
+              </c:strCache>
+            </c:strRef>
+          </c:cat>
+          <c:val>
+            <c:numRef>
+              <c:f>Tabelle1!$B$2:$B$5</c:f>
+              <c:numCache>
+                <c:formatCode>General</c:formatCode>
+                <c:ptCount val="4"/>
+                <c:pt idx="0">
+                  <c:v>1015</c:v>
+                </c:pt>
+                <c:pt idx="1">
+                  <c:v>44</c:v>
+                </c:pt>
+                <c:pt idx="2">
+                  <c:v>156</c:v>
+                </c:pt>
+                <c:pt idx="3">
+                  <c:v>62</c:v>
+                </c:pt>
+              </c:numCache>
+            </c:numRef>
+          </c:val>
+          <c:extLst>
+            <c:ext xmlns:c16="http://schemas.microsoft.com/office/drawing/2014/chart" uri="{C3380CC4-5D6E-409C-BE32-E72D297353CC}">
+              <c16:uniqueId val="{00000000-1F51-49C0-BC10-DA458132DC19}"/>
+            </c:ext>
+          </c:extLst>
+        </c:ser>
+        <c:ser>
+          <c:idx val="1"/>
+          <c:order val="1"/>
+          <c:tx>
+            <c:strRef>
+              <c:f>Tabelle1!$C$1</c:f>
+              <c:strCache>
+                <c:ptCount val="1"/>
+                <c:pt idx="0">
+                  <c:v>False</c:v>
+                </c:pt>
+              </c:strCache>
+            </c:strRef>
+          </c:tx>
+          <c:spPr>
+            <a:solidFill>
+              <a:schemeClr val="accent2"/>
+            </a:solidFill>
+            <a:ln>
+              <a:noFill/>
+            </a:ln>
+            <a:effectLst/>
+          </c:spPr>
+          <c:invertIfNegative val="0"/>
+          <c:dLbls>
+            <c:spPr>
+              <a:noFill/>
+              <a:ln>
+                <a:noFill/>
+              </a:ln>
+              <a:effectLst/>
+            </c:spPr>
+            <c:txPr>
+              <a:bodyPr rot="0" spcFirstLastPara="1" vertOverflow="ellipsis" vert="horz" wrap="square" lIns="38100" tIns="19050" rIns="38100" bIns="19050" anchor="ctr" anchorCtr="1">
+                <a:spAutoFit/>
+              </a:bodyPr>
+              <a:lstStyle/>
+              <a:p>
+                <a:pPr>
+                  <a:defRPr sz="1197" b="0" i="0" u="none" strike="noStrike" kern="1200" baseline="0">
+                    <a:solidFill>
+                      <a:schemeClr val="tx1">
+                        <a:lumMod val="75000"/>
+                        <a:lumOff val="25000"/>
+                      </a:schemeClr>
+                    </a:solidFill>
+                    <a:latin typeface="+mn-lt"/>
+                    <a:ea typeface="+mn-ea"/>
+                    <a:cs typeface="+mn-cs"/>
+                  </a:defRPr>
+                </a:pPr>
+                <a:endParaRPr lang="de-DE"/>
+              </a:p>
+            </c:txPr>
+            <c:dLblPos val="outEnd"/>
+            <c:showLegendKey val="0"/>
+            <c:showVal val="1"/>
+            <c:showCatName val="0"/>
+            <c:showSerName val="0"/>
+            <c:showPercent val="0"/>
+            <c:showBubbleSize val="0"/>
+            <c:showLeaderLines val="0"/>
+            <c:extLst>
+              <c:ext xmlns:c15="http://schemas.microsoft.com/office/drawing/2012/chart" uri="{CE6537A1-D6FC-4f65-9D91-7224C49458BB}">
+                <c15:showLeaderLines val="1"/>
+                <c15:leaderLines>
+                  <c:spPr>
+                    <a:ln w="9525" cap="flat" cmpd="sng" algn="ctr">
+                      <a:solidFill>
+                        <a:schemeClr val="tx1">
+                          <a:lumMod val="35000"/>
+                          <a:lumOff val="65000"/>
+                        </a:schemeClr>
+                      </a:solidFill>
+                      <a:round/>
+                    </a:ln>
+                    <a:effectLst/>
+                  </c:spPr>
+                </c15:leaderLines>
+              </c:ext>
+            </c:extLst>
+          </c:dLbls>
+          <c:cat>
+            <c:strRef>
+              <c:f>Tabelle1!$A$2:$A$5</c:f>
+              <c:strCache>
+                <c:ptCount val="4"/>
+                <c:pt idx="0">
+                  <c:v>25-30 (+-5)</c:v>
+                </c:pt>
+                <c:pt idx="1">
+                  <c:v>42-48 (+-5)</c:v>
+                </c:pt>
+                <c:pt idx="2">
+                  <c:v>happy</c:v>
+                </c:pt>
+                <c:pt idx="3">
+                  <c:v>neutral</c:v>
+                </c:pt>
+              </c:strCache>
+            </c:strRef>
+          </c:cat>
+          <c:val>
+            <c:numRef>
+              <c:f>Tabelle1!$C$2:$C$5</c:f>
+              <c:numCache>
+                <c:formatCode>General</c:formatCode>
+                <c:ptCount val="4"/>
+                <c:pt idx="0">
+                  <c:v>24</c:v>
+                </c:pt>
+                <c:pt idx="1">
+                  <c:v>476</c:v>
+                </c:pt>
+                <c:pt idx="2">
+                  <c:v>40</c:v>
+                </c:pt>
+                <c:pt idx="3">
+                  <c:v>57</c:v>
+                </c:pt>
+              </c:numCache>
+            </c:numRef>
+          </c:val>
+          <c:extLst>
+            <c:ext xmlns:c16="http://schemas.microsoft.com/office/drawing/2014/chart" uri="{C3380CC4-5D6E-409C-BE32-E72D297353CC}">
+              <c16:uniqueId val="{00000001-1F51-49C0-BC10-DA458132DC19}"/>
+            </c:ext>
+          </c:extLst>
+        </c:ser>
+        <c:ser>
+          <c:idx val="2"/>
+          <c:order val="2"/>
+          <c:tx>
+            <c:strRef>
+              <c:f>Tabelle1!$D$1</c:f>
+              <c:strCache>
+                <c:ptCount val="1"/>
+                <c:pt idx="0">
+                  <c:v>No Face</c:v>
+                </c:pt>
+              </c:strCache>
+            </c:strRef>
+          </c:tx>
+          <c:spPr>
+            <a:solidFill>
+              <a:schemeClr val="bg1">
+                <a:lumMod val="75000"/>
+              </a:schemeClr>
+            </a:solidFill>
+            <a:ln>
+              <a:noFill/>
+            </a:ln>
+            <a:effectLst/>
+          </c:spPr>
+          <c:invertIfNegative val="0"/>
+          <c:dLbls>
+            <c:spPr>
+              <a:noFill/>
+              <a:ln>
+                <a:noFill/>
+              </a:ln>
+              <a:effectLst/>
+            </c:spPr>
+            <c:txPr>
+              <a:bodyPr rot="0" spcFirstLastPara="1" vertOverflow="ellipsis" vert="horz" wrap="square" lIns="38100" tIns="19050" rIns="38100" bIns="19050" anchor="ctr" anchorCtr="1">
+                <a:spAutoFit/>
+              </a:bodyPr>
+              <a:lstStyle/>
+              <a:p>
+                <a:pPr>
+                  <a:defRPr sz="1197" b="0" i="0" u="none" strike="noStrike" kern="1200" baseline="0">
+                    <a:solidFill>
+                      <a:schemeClr val="tx1">
+                        <a:lumMod val="75000"/>
+                        <a:lumOff val="25000"/>
+                      </a:schemeClr>
+                    </a:solidFill>
+                    <a:latin typeface="+mn-lt"/>
+                    <a:ea typeface="+mn-ea"/>
+                    <a:cs typeface="+mn-cs"/>
+                  </a:defRPr>
+                </a:pPr>
+                <a:endParaRPr lang="de-DE"/>
+              </a:p>
+            </c:txPr>
+            <c:dLblPos val="outEnd"/>
+            <c:showLegendKey val="0"/>
+            <c:showVal val="1"/>
+            <c:showCatName val="0"/>
+            <c:showSerName val="0"/>
+            <c:showPercent val="0"/>
+            <c:showBubbleSize val="0"/>
+            <c:showLeaderLines val="0"/>
+            <c:extLst>
+              <c:ext xmlns:c15="http://schemas.microsoft.com/office/drawing/2012/chart" uri="{CE6537A1-D6FC-4f65-9D91-7224C49458BB}">
+                <c15:showLeaderLines val="1"/>
+                <c15:leaderLines>
+                  <c:spPr>
+                    <a:ln w="9525" cap="flat" cmpd="sng" algn="ctr">
+                      <a:solidFill>
+                        <a:schemeClr val="tx1">
+                          <a:lumMod val="35000"/>
+                          <a:lumOff val="65000"/>
+                        </a:schemeClr>
+                      </a:solidFill>
+                      <a:round/>
+                    </a:ln>
+                    <a:effectLst/>
+                  </c:spPr>
+                </c15:leaderLines>
+              </c:ext>
+            </c:extLst>
+          </c:dLbls>
+          <c:cat>
+            <c:strRef>
+              <c:f>Tabelle1!$A$2:$A$5</c:f>
+              <c:strCache>
+                <c:ptCount val="4"/>
+                <c:pt idx="0">
+                  <c:v>25-30 (+-5)</c:v>
+                </c:pt>
+                <c:pt idx="1">
+                  <c:v>42-48 (+-5)</c:v>
+                </c:pt>
+                <c:pt idx="2">
+                  <c:v>happy</c:v>
+                </c:pt>
+                <c:pt idx="3">
+                  <c:v>neutral</c:v>
+                </c:pt>
+              </c:strCache>
+            </c:strRef>
+          </c:cat>
+          <c:val>
+            <c:numRef>
+              <c:f>Tabelle1!$D$2:$D$5</c:f>
+              <c:numCache>
+                <c:formatCode>General</c:formatCode>
+                <c:ptCount val="4"/>
+                <c:pt idx="0">
+                  <c:v>1456</c:v>
+                </c:pt>
+                <c:pt idx="1">
+                  <c:v>919</c:v>
+                </c:pt>
+                <c:pt idx="2">
+                  <c:v>1578</c:v>
+                </c:pt>
+                <c:pt idx="3">
+                  <c:v>1114</c:v>
+                </c:pt>
+              </c:numCache>
+            </c:numRef>
+          </c:val>
+          <c:extLst>
+            <c:ext xmlns:c16="http://schemas.microsoft.com/office/drawing/2014/chart" uri="{C3380CC4-5D6E-409C-BE32-E72D297353CC}">
+              <c16:uniqueId val="{00000002-1F51-49C0-BC10-DA458132DC19}"/>
+            </c:ext>
+          </c:extLst>
+        </c:ser>
+        <c:dLbls>
+          <c:dLblPos val="outEnd"/>
+          <c:showLegendKey val="0"/>
+          <c:showVal val="1"/>
+          <c:showCatName val="0"/>
+          <c:showSerName val="0"/>
+          <c:showPercent val="0"/>
+          <c:showBubbleSize val="0"/>
+        </c:dLbls>
+        <c:gapWidth val="219"/>
+        <c:overlap val="-27"/>
+        <c:axId val="231340152"/>
+        <c:axId val="231341432"/>
+      </c:barChart>
+      <c:catAx>
+        <c:axId val="231340152"/>
+        <c:scaling>
+          <c:orientation val="minMax"/>
+        </c:scaling>
+        <c:delete val="0"/>
+        <c:axPos val="b"/>
+        <c:numFmt formatCode="General" sourceLinked="1"/>
+        <c:majorTickMark val="none"/>
+        <c:minorTickMark val="none"/>
+        <c:tickLblPos val="nextTo"/>
+        <c:spPr>
+          <a:noFill/>
+          <a:ln w="9525" cap="flat" cmpd="sng" algn="ctr">
+            <a:solidFill>
+              <a:schemeClr val="tx1">
+                <a:lumMod val="15000"/>
+                <a:lumOff val="85000"/>
+              </a:schemeClr>
+            </a:solidFill>
+            <a:round/>
+          </a:ln>
+          <a:effectLst/>
+        </c:spPr>
+        <c:txPr>
+          <a:bodyPr rot="-60000000" spcFirstLastPara="1" vertOverflow="ellipsis" vert="horz" wrap="square" anchor="ctr" anchorCtr="1"/>
+          <a:lstStyle/>
+          <a:p>
+            <a:pPr>
+              <a:defRPr sz="1197" b="0" i="0" u="none" strike="noStrike" kern="1200" baseline="0">
+                <a:solidFill>
+                  <a:schemeClr val="tx1">
+                    <a:lumMod val="65000"/>
+                    <a:lumOff val="35000"/>
+                  </a:schemeClr>
+                </a:solidFill>
+                <a:latin typeface="+mn-lt"/>
+                <a:ea typeface="+mn-ea"/>
+                <a:cs typeface="+mn-cs"/>
+              </a:defRPr>
+            </a:pPr>
+            <a:endParaRPr lang="de-DE"/>
+          </a:p>
+        </c:txPr>
+        <c:crossAx val="231341432"/>
+        <c:crosses val="autoZero"/>
+        <c:auto val="1"/>
+        <c:lblAlgn val="ctr"/>
+        <c:lblOffset val="100"/>
+        <c:noMultiLvlLbl val="0"/>
+      </c:catAx>
+      <c:valAx>
+        <c:axId val="231341432"/>
+        <c:scaling>
+          <c:orientation val="minMax"/>
+        </c:scaling>
+        <c:delete val="0"/>
+        <c:axPos val="l"/>
+        <c:numFmt formatCode="General" sourceLinked="1"/>
+        <c:majorTickMark val="none"/>
+        <c:minorTickMark val="none"/>
+        <c:tickLblPos val="nextTo"/>
+        <c:spPr>
+          <a:noFill/>
+          <a:ln>
+            <a:noFill/>
+          </a:ln>
+          <a:effectLst/>
+        </c:spPr>
+        <c:txPr>
+          <a:bodyPr rot="-60000000" spcFirstLastPara="1" vertOverflow="ellipsis" vert="horz" wrap="square" anchor="ctr" anchorCtr="1"/>
+          <a:lstStyle/>
+          <a:p>
+            <a:pPr>
+              <a:defRPr sz="1197" b="0" i="0" u="none" strike="noStrike" kern="1200" baseline="0">
+                <a:solidFill>
+                  <a:schemeClr val="tx1">
+                    <a:lumMod val="65000"/>
+                    <a:lumOff val="35000"/>
+                  </a:schemeClr>
+                </a:solidFill>
+                <a:latin typeface="+mn-lt"/>
+                <a:ea typeface="+mn-ea"/>
+                <a:cs typeface="+mn-cs"/>
+              </a:defRPr>
+            </a:pPr>
+            <a:endParaRPr lang="de-DE"/>
+          </a:p>
+        </c:txPr>
+        <c:crossAx val="231340152"/>
+        <c:crosses val="autoZero"/>
+        <c:crossBetween val="between"/>
+      </c:valAx>
+      <c:spPr>
+        <a:noFill/>
+        <a:ln>
+          <a:noFill/>
+        </a:ln>
+        <a:effectLst/>
+      </c:spPr>
+    </c:plotArea>
+    <c:legend>
+      <c:legendPos val="t"/>
+      <c:overlay val="0"/>
+      <c:spPr>
+        <a:noFill/>
+        <a:ln>
+          <a:noFill/>
+        </a:ln>
+        <a:effectLst/>
+      </c:spPr>
+      <c:txPr>
+        <a:bodyPr rot="0" spcFirstLastPara="1" vertOverflow="ellipsis" vert="horz" wrap="square" anchor="ctr" anchorCtr="1"/>
+        <a:lstStyle/>
+        <a:p>
+          <a:pPr>
+            <a:defRPr sz="1197" b="0" i="0" u="none" strike="noStrike" kern="1200" baseline="0">
+              <a:solidFill>
+                <a:schemeClr val="tx1">
+                  <a:lumMod val="65000"/>
+                  <a:lumOff val="35000"/>
+                </a:schemeClr>
+              </a:solidFill>
+              <a:latin typeface="+mn-lt"/>
+              <a:ea typeface="+mn-ea"/>
+              <a:cs typeface="+mn-cs"/>
+            </a:defRPr>
+          </a:pPr>
+          <a:endParaRPr lang="de-DE"/>
+        </a:p>
+      </c:txPr>
+    </c:legend>
+    <c:plotVisOnly val="1"/>
+    <c:dispBlanksAs val="gap"/>
+    <c:extLst>
+      <c:ext xmlns:c16r3="http://schemas.microsoft.com/office/drawing/2017/03/chart" uri="{56B9EC1D-385E-4148-901F-78D8002777C0}">
+        <c16r3:dataDisplayOptions16>
+          <c16r3:dispNaAsBlank val="1"/>
+        </c16r3:dataDisplayOptions16>
+      </c:ext>
+    </c:extLst>
+    <c:showDLblsOverMax val="0"/>
+  </c:chart>
+  <c:spPr>
+    <a:noFill/>
+    <a:ln>
+      <a:noFill/>
+    </a:ln>
+    <a:effectLst/>
+  </c:spPr>
+  <c:txPr>
+    <a:bodyPr/>
+    <a:lstStyle/>
+    <a:p>
+      <a:pPr>
+        <a:defRPr/>
+      </a:pPr>
+      <a:endParaRPr lang="de-DE"/>
+    </a:p>
+  </c:txPr>
+  <c:externalData r:id="rId3">
+    <c:autoUpdate val="0"/>
+  </c:externalData>
+</c:chartSpace>
+</file>
+
+<file path=ppt/charts/chart2.xml><?xml version="1.0" encoding="utf-8"?>
+<c:chartSpace xmlns:c="http://schemas.openxmlformats.org/drawingml/2006/chart" xmlns:a="http://schemas.openxmlformats.org/drawingml/2006/main" xmlns:r="http://schemas.openxmlformats.org/officeDocument/2006/relationships" xmlns:c16r2="http://schemas.microsoft.com/office/drawing/2015/06/chart">
+  <c:date1904 val="0"/>
+  <c:lang val="de-DE"/>
+  <c:roundedCorners val="0"/>
+  <mc:AlternateContent xmlns:mc="http://schemas.openxmlformats.org/markup-compatibility/2006">
+    <mc:Choice xmlns:c14="http://schemas.microsoft.com/office/drawing/2007/8/2/chart" Requires="c14">
+      <c14:style val="102"/>
+    </mc:Choice>
+    <mc:Fallback>
+      <c:style val="2"/>
+    </mc:Fallback>
+  </mc:AlternateContent>
+  <c:chart>
+    <c:autoTitleDeleted val="1"/>
+    <c:plotArea>
+      <c:layout/>
+      <c:barChart>
+        <c:barDir val="col"/>
+        <c:grouping val="clustered"/>
+        <c:varyColors val="0"/>
+        <c:ser>
+          <c:idx val="0"/>
+          <c:order val="0"/>
+          <c:tx>
+            <c:strRef>
+              <c:f>Tabelle1!$B$1</c:f>
+              <c:strCache>
+                <c:ptCount val="1"/>
+                <c:pt idx="0">
+                  <c:v>Correct</c:v>
+                </c:pt>
+              </c:strCache>
+            </c:strRef>
+          </c:tx>
+          <c:spPr>
+            <a:solidFill>
+              <a:schemeClr val="accent3"/>
+            </a:solidFill>
+            <a:ln>
+              <a:noFill/>
+            </a:ln>
+            <a:effectLst/>
+          </c:spPr>
+          <c:invertIfNegative val="0"/>
+          <c:dLbls>
+            <c:spPr>
+              <a:noFill/>
+              <a:ln>
+                <a:noFill/>
+              </a:ln>
+              <a:effectLst/>
+            </c:spPr>
+            <c:txPr>
+              <a:bodyPr rot="0" spcFirstLastPara="1" vertOverflow="ellipsis" vert="horz" wrap="square" lIns="38100" tIns="19050" rIns="38100" bIns="19050" anchor="ctr" anchorCtr="1">
+                <a:spAutoFit/>
+              </a:bodyPr>
+              <a:lstStyle/>
+              <a:p>
+                <a:pPr>
+                  <a:defRPr sz="1197" b="0" i="0" u="none" strike="noStrike" kern="1200" baseline="0">
+                    <a:solidFill>
+                      <a:schemeClr val="tx1">
+                        <a:lumMod val="75000"/>
+                        <a:lumOff val="25000"/>
+                      </a:schemeClr>
+                    </a:solidFill>
+                    <a:latin typeface="+mn-lt"/>
+                    <a:ea typeface="+mn-ea"/>
+                    <a:cs typeface="+mn-cs"/>
+                  </a:defRPr>
+                </a:pPr>
+                <a:endParaRPr lang="de-DE"/>
+              </a:p>
+            </c:txPr>
+            <c:dLblPos val="outEnd"/>
+            <c:showLegendKey val="0"/>
+            <c:showVal val="1"/>
+            <c:showCatName val="0"/>
+            <c:showSerName val="0"/>
+            <c:showPercent val="0"/>
+            <c:showBubbleSize val="0"/>
+            <c:showLeaderLines val="0"/>
+            <c:extLst>
+              <c:ext xmlns:c15="http://schemas.microsoft.com/office/drawing/2012/chart" uri="{CE6537A1-D6FC-4f65-9D91-7224C49458BB}">
+                <c15:showLeaderLines val="1"/>
+                <c15:leaderLines>
+                  <c:spPr>
+                    <a:ln w="9525" cap="flat" cmpd="sng" algn="ctr">
+                      <a:solidFill>
+                        <a:schemeClr val="tx1">
+                          <a:lumMod val="35000"/>
+                          <a:lumOff val="65000"/>
+                        </a:schemeClr>
+                      </a:solidFill>
+                      <a:round/>
+                    </a:ln>
+                    <a:effectLst/>
+                  </c:spPr>
+                </c15:leaderLines>
+              </c:ext>
+            </c:extLst>
+          </c:dLbls>
+          <c:cat>
+            <c:strRef>
+              <c:f>Tabelle1!$A$2:$A$3</c:f>
+              <c:strCache>
+                <c:ptCount val="2"/>
+                <c:pt idx="0">
+                  <c:v>real pictures (age)</c:v>
+                </c:pt>
+                <c:pt idx="1">
+                  <c:v>real pictures (emotion)</c:v>
+                </c:pt>
+              </c:strCache>
+            </c:strRef>
+          </c:cat>
+          <c:val>
+            <c:numRef>
+              <c:f>Tabelle1!$B$2:$B$3</c:f>
+              <c:numCache>
+                <c:formatCode>General</c:formatCode>
+                <c:ptCount val="2"/>
+                <c:pt idx="0">
+                  <c:v>7</c:v>
+                </c:pt>
+                <c:pt idx="1">
+                  <c:v>10</c:v>
+                </c:pt>
+              </c:numCache>
+            </c:numRef>
+          </c:val>
+          <c:extLst>
+            <c:ext xmlns:c16="http://schemas.microsoft.com/office/drawing/2014/chart" uri="{C3380CC4-5D6E-409C-BE32-E72D297353CC}">
+              <c16:uniqueId val="{00000000-A5BF-495F-A9BC-1DE824C314EA}"/>
+            </c:ext>
+          </c:extLst>
+        </c:ser>
+        <c:ser>
+          <c:idx val="1"/>
+          <c:order val="1"/>
+          <c:tx>
+            <c:strRef>
+              <c:f>Tabelle1!$C$1</c:f>
+              <c:strCache>
+                <c:ptCount val="1"/>
+                <c:pt idx="0">
+                  <c:v>False</c:v>
+                </c:pt>
+              </c:strCache>
+            </c:strRef>
+          </c:tx>
+          <c:spPr>
+            <a:solidFill>
+              <a:schemeClr val="accent2"/>
+            </a:solidFill>
+            <a:ln>
+              <a:noFill/>
+            </a:ln>
+            <a:effectLst/>
+          </c:spPr>
+          <c:invertIfNegative val="0"/>
+          <c:dLbls>
+            <c:spPr>
+              <a:noFill/>
+              <a:ln>
+                <a:noFill/>
+              </a:ln>
+              <a:effectLst/>
+            </c:spPr>
+            <c:txPr>
+              <a:bodyPr rot="0" spcFirstLastPara="1" vertOverflow="ellipsis" vert="horz" wrap="square" lIns="38100" tIns="19050" rIns="38100" bIns="19050" anchor="ctr" anchorCtr="1">
+                <a:spAutoFit/>
+              </a:bodyPr>
+              <a:lstStyle/>
+              <a:p>
+                <a:pPr>
+                  <a:defRPr sz="1197" b="0" i="0" u="none" strike="noStrike" kern="1200" baseline="0">
+                    <a:solidFill>
+                      <a:schemeClr val="tx1">
+                        <a:lumMod val="75000"/>
+                        <a:lumOff val="25000"/>
+                      </a:schemeClr>
+                    </a:solidFill>
+                    <a:latin typeface="+mn-lt"/>
+                    <a:ea typeface="+mn-ea"/>
+                    <a:cs typeface="+mn-cs"/>
+                  </a:defRPr>
+                </a:pPr>
+                <a:endParaRPr lang="de-DE"/>
+              </a:p>
+            </c:txPr>
+            <c:dLblPos val="outEnd"/>
+            <c:showLegendKey val="0"/>
+            <c:showVal val="1"/>
+            <c:showCatName val="0"/>
+            <c:showSerName val="0"/>
+            <c:showPercent val="0"/>
+            <c:showBubbleSize val="0"/>
+            <c:showLeaderLines val="0"/>
+            <c:extLst>
+              <c:ext xmlns:c15="http://schemas.microsoft.com/office/drawing/2012/chart" uri="{CE6537A1-D6FC-4f65-9D91-7224C49458BB}">
+                <c15:showLeaderLines val="1"/>
+                <c15:leaderLines>
+                  <c:spPr>
+                    <a:ln w="9525" cap="flat" cmpd="sng" algn="ctr">
+                      <a:solidFill>
+                        <a:schemeClr val="tx1">
+                          <a:lumMod val="35000"/>
+                          <a:lumOff val="65000"/>
+                        </a:schemeClr>
+                      </a:solidFill>
+                      <a:round/>
+                    </a:ln>
+                    <a:effectLst/>
+                  </c:spPr>
+                </c15:leaderLines>
+              </c:ext>
+            </c:extLst>
+          </c:dLbls>
+          <c:cat>
+            <c:strRef>
+              <c:f>Tabelle1!$A$2:$A$3</c:f>
+              <c:strCache>
+                <c:ptCount val="2"/>
+                <c:pt idx="0">
+                  <c:v>real pictures (age)</c:v>
+                </c:pt>
+                <c:pt idx="1">
+                  <c:v>real pictures (emotion)</c:v>
+                </c:pt>
+              </c:strCache>
+            </c:strRef>
+          </c:cat>
+          <c:val>
+            <c:numRef>
+              <c:f>Tabelle1!$C$2:$C$3</c:f>
+              <c:numCache>
+                <c:formatCode>General</c:formatCode>
+                <c:ptCount val="2"/>
+                <c:pt idx="0">
+                  <c:v>5</c:v>
+                </c:pt>
+                <c:pt idx="1">
+                  <c:v>2</c:v>
+                </c:pt>
+              </c:numCache>
+            </c:numRef>
+          </c:val>
+          <c:extLst>
+            <c:ext xmlns:c16="http://schemas.microsoft.com/office/drawing/2014/chart" uri="{C3380CC4-5D6E-409C-BE32-E72D297353CC}">
+              <c16:uniqueId val="{00000001-A5BF-495F-A9BC-1DE824C314EA}"/>
+            </c:ext>
+          </c:extLst>
+        </c:ser>
+        <c:ser>
+          <c:idx val="2"/>
+          <c:order val="2"/>
+          <c:tx>
+            <c:strRef>
+              <c:f>Tabelle1!$D$1</c:f>
+              <c:strCache>
+                <c:ptCount val="1"/>
+                <c:pt idx="0">
+                  <c:v>No Face</c:v>
+                </c:pt>
+              </c:strCache>
+            </c:strRef>
+          </c:tx>
+          <c:spPr>
+            <a:solidFill>
+              <a:schemeClr val="bg1">
+                <a:lumMod val="75000"/>
+              </a:schemeClr>
+            </a:solidFill>
+            <a:ln>
+              <a:noFill/>
+            </a:ln>
+            <a:effectLst/>
+          </c:spPr>
+          <c:invertIfNegative val="0"/>
+          <c:dLbls>
+            <c:spPr>
+              <a:noFill/>
+              <a:ln>
+                <a:noFill/>
+              </a:ln>
+              <a:effectLst/>
+            </c:spPr>
+            <c:txPr>
+              <a:bodyPr rot="0" spcFirstLastPara="1" vertOverflow="ellipsis" vert="horz" wrap="square" lIns="38100" tIns="19050" rIns="38100" bIns="19050" anchor="ctr" anchorCtr="1">
+                <a:spAutoFit/>
+              </a:bodyPr>
+              <a:lstStyle/>
+              <a:p>
+                <a:pPr>
+                  <a:defRPr sz="1197" b="0" i="0" u="none" strike="noStrike" kern="1200" baseline="0">
+                    <a:solidFill>
+                      <a:schemeClr val="tx1">
+                        <a:lumMod val="75000"/>
+                        <a:lumOff val="25000"/>
+                      </a:schemeClr>
+                    </a:solidFill>
+                    <a:latin typeface="+mn-lt"/>
+                    <a:ea typeface="+mn-ea"/>
+                    <a:cs typeface="+mn-cs"/>
+                  </a:defRPr>
+                </a:pPr>
+                <a:endParaRPr lang="de-DE"/>
+              </a:p>
+            </c:txPr>
+            <c:dLblPos val="outEnd"/>
+            <c:showLegendKey val="0"/>
+            <c:showVal val="1"/>
+            <c:showCatName val="0"/>
+            <c:showSerName val="0"/>
+            <c:showPercent val="0"/>
+            <c:showBubbleSize val="0"/>
+            <c:showLeaderLines val="0"/>
+            <c:extLst>
+              <c:ext xmlns:c15="http://schemas.microsoft.com/office/drawing/2012/chart" uri="{CE6537A1-D6FC-4f65-9D91-7224C49458BB}">
+                <c15:showLeaderLines val="1"/>
+                <c15:leaderLines>
+                  <c:spPr>
+                    <a:ln w="9525" cap="flat" cmpd="sng" algn="ctr">
+                      <a:solidFill>
+                        <a:schemeClr val="tx1">
+                          <a:lumMod val="35000"/>
+                          <a:lumOff val="65000"/>
+                        </a:schemeClr>
+                      </a:solidFill>
+                      <a:round/>
+                    </a:ln>
+                    <a:effectLst/>
+                  </c:spPr>
+                </c15:leaderLines>
+              </c:ext>
+            </c:extLst>
+          </c:dLbls>
+          <c:cat>
+            <c:strRef>
+              <c:f>Tabelle1!$A$2:$A$3</c:f>
+              <c:strCache>
+                <c:ptCount val="2"/>
+                <c:pt idx="0">
+                  <c:v>real pictures (age)</c:v>
+                </c:pt>
+                <c:pt idx="1">
+                  <c:v>real pictures (emotion)</c:v>
+                </c:pt>
+              </c:strCache>
+            </c:strRef>
+          </c:cat>
+          <c:val>
+            <c:numRef>
+              <c:f>Tabelle1!$D$2:$D$3</c:f>
+              <c:numCache>
+                <c:formatCode>General</c:formatCode>
+                <c:ptCount val="2"/>
+                <c:pt idx="0">
+                  <c:v>4</c:v>
+                </c:pt>
+                <c:pt idx="1">
+                  <c:v>4</c:v>
+                </c:pt>
+              </c:numCache>
+            </c:numRef>
+          </c:val>
+          <c:extLst>
+            <c:ext xmlns:c16="http://schemas.microsoft.com/office/drawing/2014/chart" uri="{C3380CC4-5D6E-409C-BE32-E72D297353CC}">
+              <c16:uniqueId val="{00000002-A5BF-495F-A9BC-1DE824C314EA}"/>
+            </c:ext>
+          </c:extLst>
+        </c:ser>
+        <c:dLbls>
+          <c:dLblPos val="outEnd"/>
+          <c:showLegendKey val="0"/>
+          <c:showVal val="1"/>
+          <c:showCatName val="0"/>
+          <c:showSerName val="0"/>
+          <c:showPercent val="0"/>
+          <c:showBubbleSize val="0"/>
+        </c:dLbls>
+        <c:gapWidth val="219"/>
+        <c:overlap val="-27"/>
+        <c:axId val="231340152"/>
+        <c:axId val="231341432"/>
+      </c:barChart>
+      <c:catAx>
+        <c:axId val="231340152"/>
+        <c:scaling>
+          <c:orientation val="minMax"/>
+        </c:scaling>
+        <c:delete val="0"/>
+        <c:axPos val="b"/>
+        <c:numFmt formatCode="General" sourceLinked="1"/>
+        <c:majorTickMark val="out"/>
+        <c:minorTickMark val="none"/>
+        <c:tickLblPos val="nextTo"/>
+        <c:spPr>
+          <a:noFill/>
+          <a:ln w="9525" cap="flat" cmpd="sng" algn="ctr">
+            <a:solidFill>
+              <a:schemeClr val="tx1">
+                <a:lumMod val="15000"/>
+                <a:lumOff val="85000"/>
+              </a:schemeClr>
+            </a:solidFill>
+            <a:round/>
+          </a:ln>
+          <a:effectLst/>
+        </c:spPr>
+        <c:txPr>
+          <a:bodyPr rot="-60000000" spcFirstLastPara="1" vertOverflow="ellipsis" vert="horz" wrap="square" anchor="ctr" anchorCtr="1"/>
+          <a:lstStyle/>
+          <a:p>
+            <a:pPr>
+              <a:defRPr sz="1197" b="0" i="0" u="none" strike="noStrike" kern="1200" baseline="0">
+                <a:solidFill>
+                  <a:schemeClr val="tx1">
+                    <a:lumMod val="65000"/>
+                    <a:lumOff val="35000"/>
+                  </a:schemeClr>
+                </a:solidFill>
+                <a:latin typeface="+mn-lt"/>
+                <a:ea typeface="+mn-ea"/>
+                <a:cs typeface="+mn-cs"/>
+              </a:defRPr>
+            </a:pPr>
+            <a:endParaRPr lang="de-DE"/>
+          </a:p>
+        </c:txPr>
+        <c:crossAx val="231341432"/>
+        <c:crosses val="autoZero"/>
+        <c:auto val="1"/>
+        <c:lblAlgn val="ctr"/>
+        <c:lblOffset val="100"/>
+        <c:noMultiLvlLbl val="0"/>
+      </c:catAx>
+      <c:valAx>
+        <c:axId val="231341432"/>
+        <c:scaling>
+          <c:orientation val="minMax"/>
+        </c:scaling>
+        <c:delete val="0"/>
+        <c:axPos val="l"/>
+        <c:numFmt formatCode="General" sourceLinked="1"/>
+        <c:majorTickMark val="out"/>
+        <c:minorTickMark val="none"/>
+        <c:tickLblPos val="nextTo"/>
+        <c:spPr>
+          <a:noFill/>
+          <a:ln>
+            <a:noFill/>
+          </a:ln>
+          <a:effectLst/>
+        </c:spPr>
+        <c:txPr>
+          <a:bodyPr rot="-60000000" spcFirstLastPara="1" vertOverflow="ellipsis" vert="horz" wrap="square" anchor="ctr" anchorCtr="1"/>
+          <a:lstStyle/>
+          <a:p>
+            <a:pPr>
+              <a:defRPr sz="1197" b="0" i="0" u="none" strike="noStrike" kern="1200" baseline="0">
+                <a:solidFill>
+                  <a:schemeClr val="tx1">
+                    <a:lumMod val="65000"/>
+                    <a:lumOff val="35000"/>
+                  </a:schemeClr>
+                </a:solidFill>
+                <a:latin typeface="+mn-lt"/>
+                <a:ea typeface="+mn-ea"/>
+                <a:cs typeface="+mn-cs"/>
+              </a:defRPr>
+            </a:pPr>
+            <a:endParaRPr lang="de-DE"/>
+          </a:p>
+        </c:txPr>
+        <c:crossAx val="231340152"/>
+        <c:crosses val="autoZero"/>
+        <c:crossBetween val="between"/>
+      </c:valAx>
+      <c:spPr>
+        <a:noFill/>
+        <a:ln>
+          <a:noFill/>
+        </a:ln>
+        <a:effectLst/>
+      </c:spPr>
+    </c:plotArea>
+    <c:legend>
+      <c:legendPos val="t"/>
+      <c:overlay val="0"/>
+      <c:spPr>
+        <a:noFill/>
+        <a:ln>
+          <a:noFill/>
+        </a:ln>
+        <a:effectLst/>
+      </c:spPr>
+      <c:txPr>
+        <a:bodyPr rot="0" spcFirstLastPara="1" vertOverflow="ellipsis" vert="horz" wrap="square" anchor="ctr" anchorCtr="1"/>
+        <a:lstStyle/>
+        <a:p>
+          <a:pPr>
+            <a:defRPr sz="1197" b="0" i="0" u="none" strike="noStrike" kern="1200" baseline="0">
+              <a:solidFill>
+                <a:schemeClr val="tx1">
+                  <a:lumMod val="65000"/>
+                  <a:lumOff val="35000"/>
+                </a:schemeClr>
+              </a:solidFill>
+              <a:latin typeface="+mn-lt"/>
+              <a:ea typeface="+mn-ea"/>
+              <a:cs typeface="+mn-cs"/>
+            </a:defRPr>
+          </a:pPr>
+          <a:endParaRPr lang="de-DE"/>
+        </a:p>
+      </c:txPr>
+    </c:legend>
+    <c:plotVisOnly val="1"/>
+    <c:dispBlanksAs val="gap"/>
+    <c:extLst>
+      <c:ext xmlns:c16r3="http://schemas.microsoft.com/office/drawing/2017/03/chart" uri="{56B9EC1D-385E-4148-901F-78D8002777C0}">
+        <c16r3:dataDisplayOptions16>
+          <c16r3:dispNaAsBlank val="1"/>
+        </c16r3:dataDisplayOptions16>
+      </c:ext>
+    </c:extLst>
+    <c:showDLblsOverMax val="0"/>
+  </c:chart>
+  <c:spPr>
+    <a:noFill/>
+    <a:ln>
+      <a:noFill/>
+    </a:ln>
+    <a:effectLst/>
+  </c:spPr>
+  <c:txPr>
+    <a:bodyPr/>
+    <a:lstStyle/>
+    <a:p>
+      <a:pPr>
+        <a:defRPr/>
+      </a:pPr>
+      <a:endParaRPr lang="de-DE"/>
+    </a:p>
+  </c:txPr>
+  <c:externalData r:id="rId3">
+    <c:autoUpdate val="0"/>
+  </c:externalData>
+</c:chartSpace>
+</file>
+
+<file path=ppt/charts/colors1.xml><?xml version="1.0" encoding="utf-8"?>
+<cs:colorStyle xmlns:cs="http://schemas.microsoft.com/office/drawing/2012/chartStyle" xmlns:a="http://schemas.openxmlformats.org/drawingml/2006/main" meth="cycle" id="10">
+  <a:schemeClr val="accent1"/>
+  <a:schemeClr val="accent2"/>
+  <a:schemeClr val="accent3"/>
+  <a:schemeClr val="accent4"/>
+  <a:schemeClr val="accent5"/>
+  <a:schemeClr val="accent6"/>
+  <cs:variation/>
+  <cs:variation>
+    <a:lumMod val="60000"/>
+  </cs:variation>
+  <cs:variation>
+    <a:lumMod val="80000"/>
+    <a:lumOff val="20000"/>
+  </cs:variation>
+  <cs:variation>
+    <a:lumMod val="80000"/>
+  </cs:variation>
+  <cs:variation>
+    <a:lumMod val="60000"/>
+    <a:lumOff val="40000"/>
+  </cs:variation>
+  <cs:variation>
+    <a:lumMod val="50000"/>
+  </cs:variation>
+  <cs:variation>
+    <a:lumMod val="70000"/>
+    <a:lumOff val="30000"/>
+  </cs:variation>
+  <cs:variation>
+    <a:lumMod val="70000"/>
+  </cs:variation>
+  <cs:variation>
+    <a:lumMod val="50000"/>
+    <a:lumOff val="50000"/>
+  </cs:variation>
+</cs:colorStyle>
+</file>
+
+<file path=ppt/charts/colors2.xml><?xml version="1.0" encoding="utf-8"?>
+<cs:colorStyle xmlns:cs="http://schemas.microsoft.com/office/drawing/2012/chartStyle" xmlns:a="http://schemas.openxmlformats.org/drawingml/2006/main" meth="cycle" id="10">
+  <a:schemeClr val="accent1"/>
+  <a:schemeClr val="accent2"/>
+  <a:schemeClr val="accent3"/>
+  <a:schemeClr val="accent4"/>
+  <a:schemeClr val="accent5"/>
+  <a:schemeClr val="accent6"/>
+  <cs:variation/>
+  <cs:variation>
+    <a:lumMod val="60000"/>
+  </cs:variation>
+  <cs:variation>
+    <a:lumMod val="80000"/>
+    <a:lumOff val="20000"/>
+  </cs:variation>
+  <cs:variation>
+    <a:lumMod val="80000"/>
+  </cs:variation>
+  <cs:variation>
+    <a:lumMod val="60000"/>
+    <a:lumOff val="40000"/>
+  </cs:variation>
+  <cs:variation>
+    <a:lumMod val="50000"/>
+  </cs:variation>
+  <cs:variation>
+    <a:lumMod val="70000"/>
+    <a:lumOff val="30000"/>
+  </cs:variation>
+  <cs:variation>
+    <a:lumMod val="70000"/>
+  </cs:variation>
+  <cs:variation>
+    <a:lumMod val="50000"/>
+    <a:lumOff val="50000"/>
+  </cs:variation>
+</cs:colorStyle>
+</file>
+
+<file path=ppt/charts/style1.xml><?xml version="1.0" encoding="utf-8"?>
+<cs:chartStyle xmlns:cs="http://schemas.microsoft.com/office/drawing/2012/chartStyle" xmlns:a="http://schemas.openxmlformats.org/drawingml/2006/main" id="201">
+  <cs:axisTitle>
+    <cs:lnRef idx="0"/>
+    <cs:fillRef idx="0"/>
+    <cs:effectRef idx="0"/>
+    <cs:fontRef idx="minor">
+      <a:schemeClr val="tx1">
+        <a:lumMod val="65000"/>
+        <a:lumOff val="35000"/>
+      </a:schemeClr>
+    </cs:fontRef>
+    <cs:defRPr sz="1330" kern="1200"/>
+  </cs:axisTitle>
+  <cs:categoryAxis>
+    <cs:lnRef idx="0"/>
+    <cs:fillRef idx="0"/>
+    <cs:effectRef idx="0"/>
+    <cs:fontRef idx="minor">
+      <a:schemeClr val="tx1">
+        <a:lumMod val="65000"/>
+        <a:lumOff val="35000"/>
+      </a:schemeClr>
+    </cs:fontRef>
+    <cs:spPr>
+      <a:ln w="9525" cap="flat" cmpd="sng" algn="ctr">
+        <a:solidFill>
+          <a:schemeClr val="tx1">
+            <a:lumMod val="15000"/>
+            <a:lumOff val="85000"/>
+          </a:schemeClr>
+        </a:solidFill>
+        <a:round/>
+      </a:ln>
+    </cs:spPr>
+    <cs:defRPr sz="1197" kern="1200"/>
+  </cs:categoryAxis>
+  <cs:chartArea mods="allowNoFillOverride allowNoLineOverride">
+    <cs:lnRef idx="0"/>
+    <cs:fillRef idx="0"/>
+    <cs:effectRef idx="0"/>
+    <cs:fontRef idx="minor">
+      <a:schemeClr val="tx1"/>
+    </cs:fontRef>
+    <cs:spPr>
+      <a:solidFill>
+        <a:schemeClr val="bg1"/>
+      </a:solidFill>
+      <a:ln w="9525" cap="flat" cmpd="sng" algn="ctr">
+        <a:solidFill>
+          <a:schemeClr val="tx1">
+            <a:lumMod val="15000"/>
+            <a:lumOff val="85000"/>
+          </a:schemeClr>
+        </a:solidFill>
+        <a:round/>
+      </a:ln>
+    </cs:spPr>
+    <cs:defRPr sz="1330" kern="1200"/>
+  </cs:chartArea>
+  <cs:dataLabel>
+    <cs:lnRef idx="0"/>
+    <cs:fillRef idx="0"/>
+    <cs:effectRef idx="0"/>
+    <cs:fontRef idx="minor">
+      <a:schemeClr val="tx1">
+        <a:lumMod val="75000"/>
+        <a:lumOff val="25000"/>
+      </a:schemeClr>
+    </cs:fontRef>
+    <cs:defRPr sz="1197" kern="1200"/>
+  </cs:dataLabel>
+  <cs:dataLabelCallout>
+    <cs:lnRef idx="0"/>
+    <cs:fillRef idx="0"/>
+    <cs:effectRef idx="0"/>
+    <cs:fontRef idx="minor">
+      <a:schemeClr val="dk1">
+        <a:lumMod val="65000"/>
+        <a:lumOff val="35000"/>
+      </a:schemeClr>
+    </cs:fontRef>
+    <cs:spPr>
+      <a:solidFill>
+        <a:schemeClr val="lt1"/>
+      </a:solidFill>
+      <a:ln>
+        <a:solidFill>
+          <a:schemeClr val="dk1">
+            <a:lumMod val="25000"/>
+            <a:lumOff val="75000"/>
+          </a:schemeClr>
+        </a:solidFill>
+      </a:ln>
+    </cs:spPr>
+    <cs:defRPr sz="1197" kern="1200"/>
+    <cs:bodyPr rot="0" spcFirstLastPara="1" vertOverflow="clip" horzOverflow="clip" vert="horz" wrap="square" lIns="36576" tIns="18288" rIns="36576" bIns="18288" anchor="ctr" anchorCtr="1">
+      <a:spAutoFit/>
+    </cs:bodyPr>
+  </cs:dataLabelCallout>
+  <cs:dataPoint>
+    <cs:lnRef idx="0"/>
+    <cs:fillRef idx="1">
+      <cs:styleClr val="auto"/>
+    </cs:fillRef>
+    <cs:effectRef idx="0"/>
+    <cs:fontRef idx="minor">
+      <a:schemeClr val="tx1"/>
+    </cs:fontRef>
+  </cs:dataPoint>
+  <cs:dataPoint3D>
+    <cs:lnRef idx="0"/>
+    <cs:fillRef idx="1">
+      <cs:styleClr val="auto"/>
+    </cs:fillRef>
+    <cs:effectRef idx="0"/>
+    <cs:fontRef idx="minor">
+      <a:schemeClr val="tx1"/>
+    </cs:fontRef>
+  </cs:dataPoint3D>
+  <cs:dataPointLine>
+    <cs:lnRef idx="0">
+      <cs:styleClr val="auto"/>
+    </cs:lnRef>
+    <cs:fillRef idx="1"/>
+    <cs:effectRef idx="0"/>
+    <cs:fontRef idx="minor">
+      <a:schemeClr val="tx1"/>
+    </cs:fontRef>
+    <cs:spPr>
+      <a:ln w="28575" cap="rnd">
+        <a:solidFill>
+          <a:schemeClr val="phClr"/>
+        </a:solidFill>
+        <a:round/>
+      </a:ln>
+    </cs:spPr>
+  </cs:dataPointLine>
+  <cs:dataPointMarker>
+    <cs:lnRef idx="0">
+      <cs:styleClr val="auto"/>
+    </cs:lnRef>
+    <cs:fillRef idx="1">
+      <cs:styleClr val="auto"/>
+    </cs:fillRef>
+    <cs:effectRef idx="0"/>
+    <cs:fontRef idx="minor">
+      <a:schemeClr val="tx1"/>
+    </cs:fontRef>
+    <cs:spPr>
+      <a:ln w="9525">
+        <a:solidFill>
+          <a:schemeClr val="phClr"/>
+        </a:solidFill>
+      </a:ln>
+    </cs:spPr>
+  </cs:dataPointMarker>
+  <cs:dataPointMarkerLayout symbol="circle" size="5"/>
+  <cs:dataPointWireframe>
+    <cs:lnRef idx="0">
+      <cs:styleClr val="auto"/>
+    </cs:lnRef>
+    <cs:fillRef idx="1"/>
+    <cs:effectRef idx="0"/>
+    <cs:fontRef idx="minor">
+      <a:schemeClr val="tx1"/>
+    </cs:fontRef>
+    <cs:spPr>
+      <a:ln w="9525" cap="rnd">
+        <a:solidFill>
+          <a:schemeClr val="phClr"/>
+        </a:solidFill>
+        <a:round/>
+      </a:ln>
+    </cs:spPr>
+  </cs:dataPointWireframe>
+  <cs:dataTable>
+    <cs:lnRef idx="0"/>
+    <cs:fillRef idx="0"/>
+    <cs:effectRef idx="0"/>
+    <cs:fontRef idx="minor">
+      <a:schemeClr val="tx1">
+        <a:lumMod val="65000"/>
+        <a:lumOff val="35000"/>
+      </a:schemeClr>
+    </cs:fontRef>
+    <cs:spPr>
+      <a:noFill/>
+      <a:ln w="9525" cap="flat" cmpd="sng" algn="ctr">
+        <a:solidFill>
+          <a:schemeClr val="tx1">
+            <a:lumMod val="15000"/>
+            <a:lumOff val="85000"/>
+          </a:schemeClr>
+        </a:solidFill>
+        <a:round/>
+      </a:ln>
+    </cs:spPr>
+    <cs:defRPr sz="1197" kern="1200"/>
+  </cs:dataTable>
+  <cs:downBar>
+    <cs:lnRef idx="0"/>
+    <cs:fillRef idx="0"/>
+    <cs:effectRef idx="0"/>
+    <cs:fontRef idx="minor">
+      <a:schemeClr val="dk1"/>
+    </cs:fontRef>
+    <cs:spPr>
+      <a:solidFill>
+        <a:schemeClr val="dk1">
+          <a:lumMod val="65000"/>
+          <a:lumOff val="35000"/>
+        </a:schemeClr>
+      </a:solidFill>
+      <a:ln w="9525">
+        <a:solidFill>
+          <a:schemeClr val="tx1">
+            <a:lumMod val="65000"/>
+            <a:lumOff val="35000"/>
+          </a:schemeClr>
+        </a:solidFill>
+      </a:ln>
+    </cs:spPr>
+  </cs:downBar>
+  <cs:dropLine>
+    <cs:lnRef idx="0"/>
+    <cs:fillRef idx="0"/>
+    <cs:effectRef idx="0"/>
+    <cs:fontRef idx="minor">
+      <a:schemeClr val="tx1"/>
+    </cs:fontRef>
+    <cs:spPr>
+      <a:ln w="9525" cap="flat" cmpd="sng" algn="ctr">
+        <a:solidFill>
+          <a:schemeClr val="tx1">
+            <a:lumMod val="35000"/>
+            <a:lumOff val="65000"/>
+          </a:schemeClr>
+        </a:solidFill>
+        <a:round/>
+      </a:ln>
+    </cs:spPr>
+  </cs:dropLine>
+  <cs:errorBar>
+    <cs:lnRef idx="0"/>
+    <cs:fillRef idx="0"/>
+    <cs:effectRef idx="0"/>
+    <cs:fontRef idx="minor">
+      <a:schemeClr val="tx1"/>
+    </cs:fontRef>
+    <cs:spPr>
+      <a:ln w="9525" cap="flat" cmpd="sng" algn="ctr">
+        <a:solidFill>
+          <a:schemeClr val="tx1">
+            <a:lumMod val="65000"/>
+            <a:lumOff val="35000"/>
+          </a:schemeClr>
+        </a:solidFill>
+        <a:round/>
+      </a:ln>
+    </cs:spPr>
+  </cs:errorBar>
+  <cs:floor>
+    <cs:lnRef idx="0"/>
+    <cs:fillRef idx="0"/>
+    <cs:effectRef idx="0"/>
+    <cs:fontRef idx="minor">
+      <a:schemeClr val="tx1"/>
+    </cs:fontRef>
+    <cs:spPr>
+      <a:noFill/>
+      <a:ln>
+        <a:noFill/>
+      </a:ln>
+    </cs:spPr>
+  </cs:floor>
+  <cs:gridlineMajor>
+    <cs:lnRef idx="0"/>
+    <cs:fillRef idx="0"/>
+    <cs:effectRef idx="0"/>
+    <cs:fontRef idx="minor">
+      <a:schemeClr val="tx1"/>
+    </cs:fontRef>
+    <cs:spPr>
+      <a:ln w="9525" cap="flat" cmpd="sng" algn="ctr">
+        <a:solidFill>
+          <a:schemeClr val="tx1">
+            <a:lumMod val="15000"/>
+            <a:lumOff val="85000"/>
+          </a:schemeClr>
+        </a:solidFill>
+        <a:round/>
+      </a:ln>
+    </cs:spPr>
+  </cs:gridlineMajor>
+  <cs:gridlineMinor>
+    <cs:lnRef idx="0"/>
+    <cs:fillRef idx="0"/>
+    <cs:effectRef idx="0"/>
+    <cs:fontRef idx="minor">
+      <a:schemeClr val="tx1"/>
+    </cs:fontRef>
+    <cs:spPr>
+      <a:ln w="9525" cap="flat" cmpd="sng" algn="ctr">
+        <a:solidFill>
+          <a:schemeClr val="tx1">
+            <a:lumMod val="5000"/>
+            <a:lumOff val="95000"/>
+          </a:schemeClr>
+        </a:solidFill>
+        <a:round/>
+      </a:ln>
+    </cs:spPr>
+  </cs:gridlineMinor>
+  <cs:hiLoLine>
+    <cs:lnRef idx="0"/>
+    <cs:fillRef idx="0"/>
+    <cs:effectRef idx="0"/>
+    <cs:fontRef idx="minor">
+      <a:schemeClr val="tx1"/>
+    </cs:fontRef>
+    <cs:spPr>
+      <a:ln w="9525" cap="flat" cmpd="sng" algn="ctr">
+        <a:solidFill>
+          <a:schemeClr val="tx1">
+            <a:lumMod val="75000"/>
+            <a:lumOff val="25000"/>
+          </a:schemeClr>
+        </a:solidFill>
+        <a:round/>
+      </a:ln>
+    </cs:spPr>
+  </cs:hiLoLine>
+  <cs:leaderLine>
+    <cs:lnRef idx="0"/>
+    <cs:fillRef idx="0"/>
+    <cs:effectRef idx="0"/>
+    <cs:fontRef idx="minor">
+      <a:schemeClr val="tx1"/>
+    </cs:fontRef>
+    <cs:spPr>
+      <a:ln w="9525" cap="flat" cmpd="sng" algn="ctr">
+        <a:solidFill>
+          <a:schemeClr val="tx1">
+            <a:lumMod val="35000"/>
+            <a:lumOff val="65000"/>
+          </a:schemeClr>
+        </a:solidFill>
+        <a:round/>
+      </a:ln>
+    </cs:spPr>
+  </cs:leaderLine>
+  <cs:legend>
+    <cs:lnRef idx="0"/>
+    <cs:fillRef idx="0"/>
+    <cs:effectRef idx="0"/>
+    <cs:fontRef idx="minor">
+      <a:schemeClr val="tx1">
+        <a:lumMod val="65000"/>
+        <a:lumOff val="35000"/>
+      </a:schemeClr>
+    </cs:fontRef>
+    <cs:defRPr sz="1197" kern="1200"/>
+  </cs:legend>
+  <cs:plotArea mods="allowNoFillOverride allowNoLineOverride">
+    <cs:lnRef idx="0"/>
+    <cs:fillRef idx="0"/>
+    <cs:effectRef idx="0"/>
+    <cs:fontRef idx="minor">
+      <a:schemeClr val="tx1"/>
+    </cs:fontRef>
+  </cs:plotArea>
+  <cs:plotArea3D mods="allowNoFillOverride allowNoLineOverride">
+    <cs:lnRef idx="0"/>
+    <cs:fillRef idx="0"/>
+    <cs:effectRef idx="0"/>
+    <cs:fontRef idx="minor">
+      <a:schemeClr val="tx1"/>
+    </cs:fontRef>
+  </cs:plotArea3D>
+  <cs:seriesAxis>
+    <cs:lnRef idx="0"/>
+    <cs:fillRef idx="0"/>
+    <cs:effectRef idx="0"/>
+    <cs:fontRef idx="minor">
+      <a:schemeClr val="tx1">
+        <a:lumMod val="65000"/>
+        <a:lumOff val="35000"/>
+      </a:schemeClr>
+    </cs:fontRef>
+    <cs:defRPr sz="1197" kern="1200"/>
+  </cs:seriesAxis>
+  <cs:seriesLine>
+    <cs:lnRef idx="0"/>
+    <cs:fillRef idx="0"/>
+    <cs:effectRef idx="0"/>
+    <cs:fontRef idx="minor">
+      <a:schemeClr val="tx1"/>
+    </cs:fontRef>
+    <cs:spPr>
+      <a:ln w="9525" cap="flat" cmpd="sng" algn="ctr">
+        <a:solidFill>
+          <a:schemeClr val="tx1">
+            <a:lumMod val="35000"/>
+            <a:lumOff val="65000"/>
+          </a:schemeClr>
+        </a:solidFill>
+        <a:round/>
+      </a:ln>
+    </cs:spPr>
+  </cs:seriesLine>
+  <cs:title>
+    <cs:lnRef idx="0"/>
+    <cs:fillRef idx="0"/>
+    <cs:effectRef idx="0"/>
+    <cs:fontRef idx="minor">
+      <a:schemeClr val="tx1">
+        <a:lumMod val="65000"/>
+        <a:lumOff val="35000"/>
+      </a:schemeClr>
+    </cs:fontRef>
+    <cs:defRPr sz="1862" b="0" kern="1200" spc="0" baseline="0"/>
+  </cs:title>
+  <cs:trendline>
+    <cs:lnRef idx="0">
+      <cs:styleClr val="auto"/>
+    </cs:lnRef>
+    <cs:fillRef idx="0"/>
+    <cs:effectRef idx="0"/>
+    <cs:fontRef idx="minor">
+      <a:schemeClr val="tx1"/>
+    </cs:fontRef>
+    <cs:spPr>
+      <a:ln w="19050" cap="rnd">
+        <a:solidFill>
+          <a:schemeClr val="phClr"/>
+        </a:solidFill>
+        <a:prstDash val="sysDot"/>
+      </a:ln>
+    </cs:spPr>
+  </cs:trendline>
+  <cs:trendlineLabel>
+    <cs:lnRef idx="0"/>
+    <cs:fillRef idx="0"/>
+    <cs:effectRef idx="0"/>
+    <cs:fontRef idx="minor">
+      <a:schemeClr val="tx1">
+        <a:lumMod val="65000"/>
+        <a:lumOff val="35000"/>
+      </a:schemeClr>
+    </cs:fontRef>
+    <cs:defRPr sz="1197" kern="1200"/>
+  </cs:trendlineLabel>
+  <cs:upBar>
+    <cs:lnRef idx="0"/>
+    <cs:fillRef idx="0"/>
+    <cs:effectRef idx="0"/>
+    <cs:fontRef idx="minor">
+      <a:schemeClr val="dk1"/>
+    </cs:fontRef>
+    <cs:spPr>
+      <a:solidFill>
+        <a:schemeClr val="lt1"/>
+      </a:solidFill>
+      <a:ln w="9525">
+        <a:solidFill>
+          <a:schemeClr val="tx1">
+            <a:lumMod val="15000"/>
+            <a:lumOff val="85000"/>
+          </a:schemeClr>
+        </a:solidFill>
+      </a:ln>
+    </cs:spPr>
+  </cs:upBar>
+  <cs:valueAxis>
+    <cs:lnRef idx="0"/>
+    <cs:fillRef idx="0"/>
+    <cs:effectRef idx="0"/>
+    <cs:fontRef idx="minor">
+      <a:schemeClr val="tx1">
+        <a:lumMod val="65000"/>
+        <a:lumOff val="35000"/>
+      </a:schemeClr>
+    </cs:fontRef>
+    <cs:defRPr sz="1197" kern="1200"/>
+  </cs:valueAxis>
+  <cs:wall>
+    <cs:lnRef idx="0"/>
+    <cs:fillRef idx="0"/>
+    <cs:effectRef idx="0"/>
+    <cs:fontRef idx="minor">
+      <a:schemeClr val="tx1"/>
+    </cs:fontRef>
+    <cs:spPr>
+      <a:noFill/>
+      <a:ln>
+        <a:noFill/>
+      </a:ln>
+    </cs:spPr>
+  </cs:wall>
+</cs:chartStyle>
+</file>
+
+<file path=ppt/charts/style2.xml><?xml version="1.0" encoding="utf-8"?>
+<cs:chartStyle xmlns:cs="http://schemas.microsoft.com/office/drawing/2012/chartStyle" xmlns:a="http://schemas.openxmlformats.org/drawingml/2006/main" id="201">
+  <cs:axisTitle>
+    <cs:lnRef idx="0"/>
+    <cs:fillRef idx="0"/>
+    <cs:effectRef idx="0"/>
+    <cs:fontRef idx="minor">
+      <a:schemeClr val="tx1">
+        <a:lumMod val="65000"/>
+        <a:lumOff val="35000"/>
+      </a:schemeClr>
+    </cs:fontRef>
+    <cs:defRPr sz="1330" kern="1200"/>
+  </cs:axisTitle>
+  <cs:categoryAxis>
+    <cs:lnRef idx="0"/>
+    <cs:fillRef idx="0"/>
+    <cs:effectRef idx="0"/>
+    <cs:fontRef idx="minor">
+      <a:schemeClr val="tx1">
+        <a:lumMod val="65000"/>
+        <a:lumOff val="35000"/>
+      </a:schemeClr>
+    </cs:fontRef>
+    <cs:spPr>
+      <a:ln w="9525" cap="flat" cmpd="sng" algn="ctr">
+        <a:solidFill>
+          <a:schemeClr val="tx1">
+            <a:lumMod val="15000"/>
+            <a:lumOff val="85000"/>
+          </a:schemeClr>
+        </a:solidFill>
+        <a:round/>
+      </a:ln>
+    </cs:spPr>
+    <cs:defRPr sz="1197" kern="1200"/>
+  </cs:categoryAxis>
+  <cs:chartArea mods="allowNoFillOverride allowNoLineOverride">
+    <cs:lnRef idx="0"/>
+    <cs:fillRef idx="0"/>
+    <cs:effectRef idx="0"/>
+    <cs:fontRef idx="minor">
+      <a:schemeClr val="tx1"/>
+    </cs:fontRef>
+    <cs:spPr>
+      <a:solidFill>
+        <a:schemeClr val="bg1"/>
+      </a:solidFill>
+      <a:ln w="9525" cap="flat" cmpd="sng" algn="ctr">
+        <a:solidFill>
+          <a:schemeClr val="tx1">
+            <a:lumMod val="15000"/>
+            <a:lumOff val="85000"/>
+          </a:schemeClr>
+        </a:solidFill>
+        <a:round/>
+      </a:ln>
+    </cs:spPr>
+    <cs:defRPr sz="1330" kern="1200"/>
+  </cs:chartArea>
+  <cs:dataLabel>
+    <cs:lnRef idx="0"/>
+    <cs:fillRef idx="0"/>
+    <cs:effectRef idx="0"/>
+    <cs:fontRef idx="minor">
+      <a:schemeClr val="tx1">
+        <a:lumMod val="75000"/>
+        <a:lumOff val="25000"/>
+      </a:schemeClr>
+    </cs:fontRef>
+    <cs:defRPr sz="1197" kern="1200"/>
+  </cs:dataLabel>
+  <cs:dataLabelCallout>
+    <cs:lnRef idx="0"/>
+    <cs:fillRef idx="0"/>
+    <cs:effectRef idx="0"/>
+    <cs:fontRef idx="minor">
+      <a:schemeClr val="dk1">
+        <a:lumMod val="65000"/>
+        <a:lumOff val="35000"/>
+      </a:schemeClr>
+    </cs:fontRef>
+    <cs:spPr>
+      <a:solidFill>
+        <a:schemeClr val="lt1"/>
+      </a:solidFill>
+      <a:ln>
+        <a:solidFill>
+          <a:schemeClr val="dk1">
+            <a:lumMod val="25000"/>
+            <a:lumOff val="75000"/>
+          </a:schemeClr>
+        </a:solidFill>
+      </a:ln>
+    </cs:spPr>
+    <cs:defRPr sz="1197" kern="1200"/>
+    <cs:bodyPr rot="0" spcFirstLastPara="1" vertOverflow="clip" horzOverflow="clip" vert="horz" wrap="square" lIns="36576" tIns="18288" rIns="36576" bIns="18288" anchor="ctr" anchorCtr="1">
+      <a:spAutoFit/>
+    </cs:bodyPr>
+  </cs:dataLabelCallout>
+  <cs:dataPoint>
+    <cs:lnRef idx="0"/>
+    <cs:fillRef idx="1">
+      <cs:styleClr val="auto"/>
+    </cs:fillRef>
+    <cs:effectRef idx="0"/>
+    <cs:fontRef idx="minor">
+      <a:schemeClr val="tx1"/>
+    </cs:fontRef>
+  </cs:dataPoint>
+  <cs:dataPoint3D>
+    <cs:lnRef idx="0"/>
+    <cs:fillRef idx="1">
+      <cs:styleClr val="auto"/>
+    </cs:fillRef>
+    <cs:effectRef idx="0"/>
+    <cs:fontRef idx="minor">
+      <a:schemeClr val="tx1"/>
+    </cs:fontRef>
+  </cs:dataPoint3D>
+  <cs:dataPointLine>
+    <cs:lnRef idx="0">
+      <cs:styleClr val="auto"/>
+    </cs:lnRef>
+    <cs:fillRef idx="1"/>
+    <cs:effectRef idx="0"/>
+    <cs:fontRef idx="minor">
+      <a:schemeClr val="tx1"/>
+    </cs:fontRef>
+    <cs:spPr>
+      <a:ln w="28575" cap="rnd">
+        <a:solidFill>
+          <a:schemeClr val="phClr"/>
+        </a:solidFill>
+        <a:round/>
+      </a:ln>
+    </cs:spPr>
+  </cs:dataPointLine>
+  <cs:dataPointMarker>
+    <cs:lnRef idx="0">
+      <cs:styleClr val="auto"/>
+    </cs:lnRef>
+    <cs:fillRef idx="1">
+      <cs:styleClr val="auto"/>
+    </cs:fillRef>
+    <cs:effectRef idx="0"/>
+    <cs:fontRef idx="minor">
+      <a:schemeClr val="tx1"/>
+    </cs:fontRef>
+    <cs:spPr>
+      <a:ln w="9525">
+        <a:solidFill>
+          <a:schemeClr val="phClr"/>
+        </a:solidFill>
+      </a:ln>
+    </cs:spPr>
+  </cs:dataPointMarker>
+  <cs:dataPointMarkerLayout symbol="circle" size="5"/>
+  <cs:dataPointWireframe>
+    <cs:lnRef idx="0">
+      <cs:styleClr val="auto"/>
+    </cs:lnRef>
+    <cs:fillRef idx="1"/>
+    <cs:effectRef idx="0"/>
+    <cs:fontRef idx="minor">
+      <a:schemeClr val="tx1"/>
+    </cs:fontRef>
+    <cs:spPr>
+      <a:ln w="9525" cap="rnd">
+        <a:solidFill>
+          <a:schemeClr val="phClr"/>
+        </a:solidFill>
+        <a:round/>
+      </a:ln>
+    </cs:spPr>
+  </cs:dataPointWireframe>
+  <cs:dataTable>
+    <cs:lnRef idx="0"/>
+    <cs:fillRef idx="0"/>
+    <cs:effectRef idx="0"/>
+    <cs:fontRef idx="minor">
+      <a:schemeClr val="tx1">
+        <a:lumMod val="65000"/>
+        <a:lumOff val="35000"/>
+      </a:schemeClr>
+    </cs:fontRef>
+    <cs:spPr>
+      <a:noFill/>
+      <a:ln w="9525" cap="flat" cmpd="sng" algn="ctr">
+        <a:solidFill>
+          <a:schemeClr val="tx1">
+            <a:lumMod val="15000"/>
+            <a:lumOff val="85000"/>
+          </a:schemeClr>
+        </a:solidFill>
+        <a:round/>
+      </a:ln>
+    </cs:spPr>
+    <cs:defRPr sz="1197" kern="1200"/>
+  </cs:dataTable>
+  <cs:downBar>
+    <cs:lnRef idx="0"/>
+    <cs:fillRef idx="0"/>
+    <cs:effectRef idx="0"/>
+    <cs:fontRef idx="minor">
+      <a:schemeClr val="dk1"/>
+    </cs:fontRef>
+    <cs:spPr>
+      <a:solidFill>
+        <a:schemeClr val="dk1">
+          <a:lumMod val="65000"/>
+          <a:lumOff val="35000"/>
+        </a:schemeClr>
+      </a:solidFill>
+      <a:ln w="9525">
+        <a:solidFill>
+          <a:schemeClr val="tx1">
+            <a:lumMod val="65000"/>
+            <a:lumOff val="35000"/>
+          </a:schemeClr>
+        </a:solidFill>
+      </a:ln>
+    </cs:spPr>
+  </cs:downBar>
+  <cs:dropLine>
+    <cs:lnRef idx="0"/>
+    <cs:fillRef idx="0"/>
+    <cs:effectRef idx="0"/>
+    <cs:fontRef idx="minor">
+      <a:schemeClr val="tx1"/>
+    </cs:fontRef>
+    <cs:spPr>
+      <a:ln w="9525" cap="flat" cmpd="sng" algn="ctr">
+        <a:solidFill>
+          <a:schemeClr val="tx1">
+            <a:lumMod val="35000"/>
+            <a:lumOff val="65000"/>
+          </a:schemeClr>
+        </a:solidFill>
+        <a:round/>
+      </a:ln>
+    </cs:spPr>
+  </cs:dropLine>
+  <cs:errorBar>
+    <cs:lnRef idx="0"/>
+    <cs:fillRef idx="0"/>
+    <cs:effectRef idx="0"/>
+    <cs:fontRef idx="minor">
+      <a:schemeClr val="tx1"/>
+    </cs:fontRef>
+    <cs:spPr>
+      <a:ln w="9525" cap="flat" cmpd="sng" algn="ctr">
+        <a:solidFill>
+          <a:schemeClr val="tx1">
+            <a:lumMod val="65000"/>
+            <a:lumOff val="35000"/>
+          </a:schemeClr>
+        </a:solidFill>
+        <a:round/>
+      </a:ln>
+    </cs:spPr>
+  </cs:errorBar>
+  <cs:floor>
+    <cs:lnRef idx="0"/>
+    <cs:fillRef idx="0"/>
+    <cs:effectRef idx="0"/>
+    <cs:fontRef idx="minor">
+      <a:schemeClr val="tx1"/>
+    </cs:fontRef>
+    <cs:spPr>
+      <a:noFill/>
+      <a:ln>
+        <a:noFill/>
+      </a:ln>
+    </cs:spPr>
+  </cs:floor>
+  <cs:gridlineMajor>
+    <cs:lnRef idx="0"/>
+    <cs:fillRef idx="0"/>
+    <cs:effectRef idx="0"/>
+    <cs:fontRef idx="minor">
+      <a:schemeClr val="tx1"/>
+    </cs:fontRef>
+    <cs:spPr>
+      <a:ln w="9525" cap="flat" cmpd="sng" algn="ctr">
+        <a:solidFill>
+          <a:schemeClr val="tx1">
+            <a:lumMod val="15000"/>
+            <a:lumOff val="85000"/>
+          </a:schemeClr>
+        </a:solidFill>
+        <a:round/>
+      </a:ln>
+    </cs:spPr>
+  </cs:gridlineMajor>
+  <cs:gridlineMinor>
+    <cs:lnRef idx="0"/>
+    <cs:fillRef idx="0"/>
+    <cs:effectRef idx="0"/>
+    <cs:fontRef idx="minor">
+      <a:schemeClr val="tx1"/>
+    </cs:fontRef>
+    <cs:spPr>
+      <a:ln w="9525" cap="flat" cmpd="sng" algn="ctr">
+        <a:solidFill>
+          <a:schemeClr val="tx1">
+            <a:lumMod val="5000"/>
+            <a:lumOff val="95000"/>
+          </a:schemeClr>
+        </a:solidFill>
+        <a:round/>
+      </a:ln>
+    </cs:spPr>
+  </cs:gridlineMinor>
+  <cs:hiLoLine>
+    <cs:lnRef idx="0"/>
+    <cs:fillRef idx="0"/>
+    <cs:effectRef idx="0"/>
+    <cs:fontRef idx="minor">
+      <a:schemeClr val="tx1"/>
+    </cs:fontRef>
+    <cs:spPr>
+      <a:ln w="9525" cap="flat" cmpd="sng" algn="ctr">
+        <a:solidFill>
+          <a:schemeClr val="tx1">
+            <a:lumMod val="75000"/>
+            <a:lumOff val="25000"/>
+          </a:schemeClr>
+        </a:solidFill>
+        <a:round/>
+      </a:ln>
+    </cs:spPr>
+  </cs:hiLoLine>
+  <cs:leaderLine>
+    <cs:lnRef idx="0"/>
+    <cs:fillRef idx="0"/>
+    <cs:effectRef idx="0"/>
+    <cs:fontRef idx="minor">
+      <a:schemeClr val="tx1"/>
+    </cs:fontRef>
+    <cs:spPr>
+      <a:ln w="9525" cap="flat" cmpd="sng" algn="ctr">
+        <a:solidFill>
+          <a:schemeClr val="tx1">
+            <a:lumMod val="35000"/>
+            <a:lumOff val="65000"/>
+          </a:schemeClr>
+        </a:solidFill>
+        <a:round/>
+      </a:ln>
+    </cs:spPr>
+  </cs:leaderLine>
+  <cs:legend>
+    <cs:lnRef idx="0"/>
+    <cs:fillRef idx="0"/>
+    <cs:effectRef idx="0"/>
+    <cs:fontRef idx="minor">
+      <a:schemeClr val="tx1">
+        <a:lumMod val="65000"/>
+        <a:lumOff val="35000"/>
+      </a:schemeClr>
+    </cs:fontRef>
+    <cs:defRPr sz="1197" kern="1200"/>
+  </cs:legend>
+  <cs:plotArea mods="allowNoFillOverride allowNoLineOverride">
+    <cs:lnRef idx="0"/>
+    <cs:fillRef idx="0"/>
+    <cs:effectRef idx="0"/>
+    <cs:fontRef idx="minor">
+      <a:schemeClr val="tx1"/>
+    </cs:fontRef>
+  </cs:plotArea>
+  <cs:plotArea3D mods="allowNoFillOverride allowNoLineOverride">
+    <cs:lnRef idx="0"/>
+    <cs:fillRef idx="0"/>
+    <cs:effectRef idx="0"/>
+    <cs:fontRef idx="minor">
+      <a:schemeClr val="tx1"/>
+    </cs:fontRef>
+  </cs:plotArea3D>
+  <cs:seriesAxis>
+    <cs:lnRef idx="0"/>
+    <cs:fillRef idx="0"/>
+    <cs:effectRef idx="0"/>
+    <cs:fontRef idx="minor">
+      <a:schemeClr val="tx1">
+        <a:lumMod val="65000"/>
+        <a:lumOff val="35000"/>
+      </a:schemeClr>
+    </cs:fontRef>
+    <cs:defRPr sz="1197" kern="1200"/>
+  </cs:seriesAxis>
+  <cs:seriesLine>
+    <cs:lnRef idx="0"/>
+    <cs:fillRef idx="0"/>
+    <cs:effectRef idx="0"/>
+    <cs:fontRef idx="minor">
+      <a:schemeClr val="tx1"/>
+    </cs:fontRef>
+    <cs:spPr>
+      <a:ln w="9525" cap="flat" cmpd="sng" algn="ctr">
+        <a:solidFill>
+          <a:schemeClr val="tx1">
+            <a:lumMod val="35000"/>
+            <a:lumOff val="65000"/>
+          </a:schemeClr>
+        </a:solidFill>
+        <a:round/>
+      </a:ln>
+    </cs:spPr>
+  </cs:seriesLine>
+  <cs:title>
+    <cs:lnRef idx="0"/>
+    <cs:fillRef idx="0"/>
+    <cs:effectRef idx="0"/>
+    <cs:fontRef idx="minor">
+      <a:schemeClr val="tx1">
+        <a:lumMod val="65000"/>
+        <a:lumOff val="35000"/>
+      </a:schemeClr>
+    </cs:fontRef>
+    <cs:defRPr sz="1862" b="0" kern="1200" spc="0" baseline="0"/>
+  </cs:title>
+  <cs:trendline>
+    <cs:lnRef idx="0">
+      <cs:styleClr val="auto"/>
+    </cs:lnRef>
+    <cs:fillRef idx="0"/>
+    <cs:effectRef idx="0"/>
+    <cs:fontRef idx="minor">
+      <a:schemeClr val="tx1"/>
+    </cs:fontRef>
+    <cs:spPr>
+      <a:ln w="19050" cap="rnd">
+        <a:solidFill>
+          <a:schemeClr val="phClr"/>
+        </a:solidFill>
+        <a:prstDash val="sysDot"/>
+      </a:ln>
+    </cs:spPr>
+  </cs:trendline>
+  <cs:trendlineLabel>
+    <cs:lnRef idx="0"/>
+    <cs:fillRef idx="0"/>
+    <cs:effectRef idx="0"/>
+    <cs:fontRef idx="minor">
+      <a:schemeClr val="tx1">
+        <a:lumMod val="65000"/>
+        <a:lumOff val="35000"/>
+      </a:schemeClr>
+    </cs:fontRef>
+    <cs:defRPr sz="1197" kern="1200"/>
+  </cs:trendlineLabel>
+  <cs:upBar>
+    <cs:lnRef idx="0"/>
+    <cs:fillRef idx="0"/>
+    <cs:effectRef idx="0"/>
+    <cs:fontRef idx="minor">
+      <a:schemeClr val="dk1"/>
+    </cs:fontRef>
+    <cs:spPr>
+      <a:solidFill>
+        <a:schemeClr val="lt1"/>
+      </a:solidFill>
+      <a:ln w="9525">
+        <a:solidFill>
+          <a:schemeClr val="tx1">
+            <a:lumMod val="15000"/>
+            <a:lumOff val="85000"/>
+          </a:schemeClr>
+        </a:solidFill>
+      </a:ln>
+    </cs:spPr>
+  </cs:upBar>
+  <cs:valueAxis>
+    <cs:lnRef idx="0"/>
+    <cs:fillRef idx="0"/>
+    <cs:effectRef idx="0"/>
+    <cs:fontRef idx="minor">
+      <a:schemeClr val="tx1">
+        <a:lumMod val="65000"/>
+        <a:lumOff val="35000"/>
+      </a:schemeClr>
+    </cs:fontRef>
+    <cs:defRPr sz="1197" kern="1200"/>
+  </cs:valueAxis>
+  <cs:wall>
+    <cs:lnRef idx="0"/>
+    <cs:fillRef idx="0"/>
+    <cs:effectRef idx="0"/>
+    <cs:fontRef idx="minor">
+      <a:schemeClr val="tx1"/>
+    </cs:fontRef>
+    <cs:spPr>
+      <a:noFill/>
+      <a:ln>
+        <a:noFill/>
+      </a:ln>
+    </cs:spPr>
+  </cs:wall>
+</cs:chartStyle>
 </file>
 
 <file path=ppt/handoutMasters/handoutMaster1.xml><?xml version="1.0" encoding="utf-8"?>
@@ -25523,9 +27753,30 @@
             <a:endParaRPr lang="de-DE" sz="2200" dirty="0"/>
           </a:p>
           <a:p>
+            <a:endParaRPr lang="de-DE" sz="2200" dirty="0"/>
+          </a:p>
+          <a:p>
             <a:r>
               <a:rPr lang="de-DE" sz="2200" dirty="0"/>
-              <a:t>Microsoft </a:t>
+              <a:t>ca. 1 Sekunde pro Feature</a:t>
+            </a:r>
+          </a:p>
+          <a:p>
+            <a:pPr marL="0" indent="0">
+              <a:buNone/>
+            </a:pPr>
+            <a:r>
+              <a:rPr lang="de-DE" sz="2200" dirty="0"/>
+              <a:t>	(Emotion, Alter)</a:t>
+            </a:r>
+          </a:p>
+          <a:p>
+            <a:endParaRPr lang="de-DE" sz="2200" dirty="0"/>
+          </a:p>
+          <a:p>
+            <a:r>
+              <a:rPr lang="de-DE" sz="2200" dirty="0"/>
+              <a:t>Frontend mit Microsoft </a:t>
             </a:r>
             <a:r>
               <a:rPr lang="de-DE" sz="2200" dirty="0" err="1"/>
@@ -25535,6 +27786,12 @@
           </a:p>
           <a:p>
             <a:endParaRPr lang="de-DE" sz="2200" dirty="0"/>
+          </a:p>
+          <a:p>
+            <a:r>
+              <a:rPr lang="de-DE" sz="2200" dirty="0"/>
+              <a:t>Verknüpfung durch API oder Einbindung der Skripts</a:t>
+            </a:r>
           </a:p>
         </p:txBody>
       </p:sp>
@@ -25603,6 +27860,36 @@
           </a:p>
         </p:txBody>
       </p:sp>
+      <p:pic>
+        <p:nvPicPr>
+          <p:cNvPr id="6" name="Grafik 5">
+            <a:extLst>
+              <a:ext uri="{FF2B5EF4-FFF2-40B4-BE49-F238E27FC236}">
+                <a16:creationId xmlns:a16="http://schemas.microsoft.com/office/drawing/2014/main" id="{881F8E20-1AC7-4190-9EBC-6BFACA62B49A}"/>
+              </a:ext>
+            </a:extLst>
+          </p:cNvPr>
+          <p:cNvPicPr>
+            <a:picLocks noChangeAspect="1"/>
+          </p:cNvPicPr>
+          <p:nvPr/>
+        </p:nvPicPr>
+        <p:blipFill>
+          <a:blip r:embed="rId3"/>
+          <a:stretch>
+            <a:fillRect/>
+          </a:stretch>
+        </p:blipFill>
+        <p:spPr>
+          <a:xfrm>
+            <a:off x="5859614" y="2645156"/>
+            <a:ext cx="5600741" cy="2381267"/>
+          </a:xfrm>
+          <a:prstGeom prst="rect">
+            <a:avLst/>
+          </a:prstGeom>
+        </p:spPr>
+      </p:pic>
     </p:spTree>
     <p:extLst>
       <p:ext uri="{BB962C8B-B14F-4D97-AF65-F5344CB8AC3E}">
@@ -25919,12 +28206,8 @@
           <a:lstStyle/>
           <a:p>
             <a:r>
-              <a:rPr lang="de-DE" sz="4000" dirty="0" err="1"/>
-              <a:t>CodeSnippet</a:t>
-            </a:r>
-            <a:r>
               <a:rPr lang="de-DE" sz="4000" dirty="0"/>
-              <a:t> &amp; Testergebnisse?</a:t>
+              <a:t>Testergebnisse</a:t>
             </a:r>
           </a:p>
         </p:txBody>
@@ -25997,38 +28280,37 @@
           </a:p>
         </p:txBody>
       </p:sp>
-      <p:sp>
-        <p:nvSpPr>
-          <p:cNvPr id="3" name="Inhaltsplatzhalter 2">
-            <a:extLst>
-              <a:ext uri="{FF2B5EF4-FFF2-40B4-BE49-F238E27FC236}">
-                <a16:creationId xmlns:a16="http://schemas.microsoft.com/office/drawing/2014/main" id="{E3CE2A5A-3C8B-41A1-AC8F-8A5EA5BBC30C}"/>
-              </a:ext>
-            </a:extLst>
-          </p:cNvPr>
-          <p:cNvSpPr>
-            <a:spLocks noGrp="1"/>
-          </p:cNvSpPr>
+      <p:graphicFrame>
+        <p:nvGraphicFramePr>
+          <p:cNvPr id="8" name="Inhaltsplatzhalter 7">
+            <a:extLst>
+              <a:ext uri="{FF2B5EF4-FFF2-40B4-BE49-F238E27FC236}">
+                <a16:creationId xmlns:a16="http://schemas.microsoft.com/office/drawing/2014/main" id="{764A0643-02EC-42BC-B386-4F1F252434AB}"/>
+              </a:ext>
+            </a:extLst>
+          </p:cNvPr>
+          <p:cNvGraphicFramePr>
+            <a:graphicFrameLocks noGrp="1"/>
+          </p:cNvGraphicFramePr>
           <p:nvPr>
             <p:ph idx="1"/>
+            <p:extLst>
+              <p:ext uri="{D42A27DB-BD31-4B8C-83A1-F6EECF244321}">
+                <p14:modId xmlns:p14="http://schemas.microsoft.com/office/powerpoint/2010/main" val="1073990801"/>
+              </p:ext>
+            </p:extLst>
           </p:nvPr>
-        </p:nvSpPr>
-        <p:spPr>
-          <a:xfrm>
-            <a:off x="1115568" y="2481943"/>
-            <a:ext cx="10168128" cy="3695020"/>
-          </a:xfrm>
-        </p:spPr>
-        <p:txBody>
-          <a:bodyPr>
-            <a:normAutofit/>
-          </a:bodyPr>
-          <a:lstStyle/>
-          <a:p>
-            <a:endParaRPr lang="de-DE" sz="2200" dirty="0"/>
-          </a:p>
-        </p:txBody>
-      </p:sp>
+        </p:nvGraphicFramePr>
+        <p:xfrm>
+          <a:off x="374250" y="2018806"/>
+          <a:ext cx="7175295" cy="3695700"/>
+        </p:xfrm>
+        <a:graphic>
+          <a:graphicData uri="http://schemas.openxmlformats.org/drawingml/2006/chart">
+            <c:chart xmlns:c="http://schemas.openxmlformats.org/drawingml/2006/chart" xmlns:r="http://schemas.openxmlformats.org/officeDocument/2006/relationships" r:id="rId2"/>
+          </a:graphicData>
+        </a:graphic>
+      </p:graphicFrame>
       <p:pic>
         <p:nvPicPr>
           <p:cNvPr id="4" name="Inhaltsplatzhalter 4">
@@ -26044,7 +28326,7 @@
           <p:nvPr/>
         </p:nvPicPr>
         <p:blipFill>
-          <a:blip r:embed="rId2">
+          <a:blip r:embed="rId3">
             <a:extLst>
               <a:ext uri="{28A0092B-C50C-407E-A947-70E740481C1C}">
                 <a14:useLocalDpi xmlns:a14="http://schemas.microsoft.com/office/drawing/2010/main" val="0"/>
@@ -26094,6 +28376,250 @@
           </a:p>
         </p:txBody>
       </p:sp>
+      <p:graphicFrame>
+        <p:nvGraphicFramePr>
+          <p:cNvPr id="13" name="Inhaltsplatzhalter 7">
+            <a:extLst>
+              <a:ext uri="{FF2B5EF4-FFF2-40B4-BE49-F238E27FC236}">
+                <a16:creationId xmlns:a16="http://schemas.microsoft.com/office/drawing/2014/main" id="{5CD0A776-5575-49C1-BBFF-2280A38BDB54}"/>
+              </a:ext>
+            </a:extLst>
+          </p:cNvPr>
+          <p:cNvGraphicFramePr>
+            <a:graphicFrameLocks/>
+          </p:cNvGraphicFramePr>
+          <p:nvPr>
+            <p:extLst>
+              <p:ext uri="{D42A27DB-BD31-4B8C-83A1-F6EECF244321}">
+                <p14:modId xmlns:p14="http://schemas.microsoft.com/office/powerpoint/2010/main" val="2134392986"/>
+              </p:ext>
+            </p:extLst>
+          </p:nvPr>
+        </p:nvGraphicFramePr>
+        <p:xfrm>
+          <a:off x="7549545" y="2018806"/>
+          <a:ext cx="4364436" cy="3695700"/>
+        </p:xfrm>
+        <a:graphic>
+          <a:graphicData uri="http://schemas.openxmlformats.org/drawingml/2006/chart">
+            <c:chart xmlns:c="http://schemas.openxmlformats.org/drawingml/2006/chart" xmlns:r="http://schemas.openxmlformats.org/officeDocument/2006/relationships" r:id="rId4"/>
+          </a:graphicData>
+        </a:graphic>
+      </p:graphicFrame>
+      <p:pic>
+        <p:nvPicPr>
+          <p:cNvPr id="10" name="Grafik 9" descr="Ein Bild, das Mann, Person, Säugetier, verschwommen enthält.&#10;&#10;Automatisch generierte Beschreibung">
+            <a:extLst>
+              <a:ext uri="{FF2B5EF4-FFF2-40B4-BE49-F238E27FC236}">
+                <a16:creationId xmlns:a16="http://schemas.microsoft.com/office/drawing/2014/main" id="{650AC332-3D5A-4C76-A5A8-87759A871D8E}"/>
+              </a:ext>
+            </a:extLst>
+          </p:cNvPr>
+          <p:cNvPicPr>
+            <a:picLocks noChangeAspect="1"/>
+          </p:cNvPicPr>
+          <p:nvPr/>
+        </p:nvPicPr>
+        <p:blipFill>
+          <a:blip r:embed="rId5">
+            <a:extLst>
+              <a:ext uri="{28A0092B-C50C-407E-A947-70E740481C1C}">
+                <a14:useLocalDpi xmlns:a14="http://schemas.microsoft.com/office/drawing/2010/main" val="0"/>
+              </a:ext>
+            </a:extLst>
+          </a:blip>
+          <a:stretch>
+            <a:fillRect/>
+          </a:stretch>
+        </p:blipFill>
+        <p:spPr>
+          <a:xfrm>
+            <a:off x="1975056" y="5788069"/>
+            <a:ext cx="863511" cy="863511"/>
+          </a:xfrm>
+          <a:prstGeom prst="rect">
+            <a:avLst/>
+          </a:prstGeom>
+        </p:spPr>
+      </p:pic>
+      <p:pic>
+        <p:nvPicPr>
+          <p:cNvPr id="12" name="Grafik 11" descr="Ein Bild, das Person enthält.&#10;&#10;Automatisch generierte Beschreibung">
+            <a:extLst>
+              <a:ext uri="{FF2B5EF4-FFF2-40B4-BE49-F238E27FC236}">
+                <a16:creationId xmlns:a16="http://schemas.microsoft.com/office/drawing/2014/main" id="{0344CE1E-FD85-47BA-AA09-15CF488BAB41}"/>
+              </a:ext>
+            </a:extLst>
+          </p:cNvPr>
+          <p:cNvPicPr>
+            <a:picLocks noChangeAspect="1"/>
+          </p:cNvPicPr>
+          <p:nvPr/>
+        </p:nvPicPr>
+        <p:blipFill>
+          <a:blip r:embed="rId6">
+            <a:extLst>
+              <a:ext uri="{28A0092B-C50C-407E-A947-70E740481C1C}">
+                <a14:useLocalDpi xmlns:a14="http://schemas.microsoft.com/office/drawing/2010/main" val="0"/>
+              </a:ext>
+            </a:extLst>
+          </a:blip>
+          <a:stretch>
+            <a:fillRect/>
+          </a:stretch>
+        </p:blipFill>
+        <p:spPr>
+          <a:xfrm>
+            <a:off x="3054195" y="5788069"/>
+            <a:ext cx="863512" cy="863512"/>
+          </a:xfrm>
+          <a:prstGeom prst="rect">
+            <a:avLst/>
+          </a:prstGeom>
+        </p:spPr>
+      </p:pic>
+      <p:pic>
+        <p:nvPicPr>
+          <p:cNvPr id="15" name="Grafik 14">
+            <a:extLst>
+              <a:ext uri="{FF2B5EF4-FFF2-40B4-BE49-F238E27FC236}">
+                <a16:creationId xmlns:a16="http://schemas.microsoft.com/office/drawing/2014/main" id="{F709AE83-F83D-4594-9FEB-B95E775B49B4}"/>
+              </a:ext>
+            </a:extLst>
+          </p:cNvPr>
+          <p:cNvPicPr>
+            <a:picLocks noChangeAspect="1"/>
+          </p:cNvPicPr>
+          <p:nvPr/>
+        </p:nvPicPr>
+        <p:blipFill>
+          <a:blip r:embed="rId7">
+            <a:extLst>
+              <a:ext uri="{28A0092B-C50C-407E-A947-70E740481C1C}">
+                <a14:useLocalDpi xmlns:a14="http://schemas.microsoft.com/office/drawing/2010/main" val="0"/>
+              </a:ext>
+            </a:extLst>
+          </a:blip>
+          <a:stretch>
+            <a:fillRect/>
+          </a:stretch>
+        </p:blipFill>
+        <p:spPr>
+          <a:xfrm>
+            <a:off x="4133335" y="5788069"/>
+            <a:ext cx="863512" cy="863512"/>
+          </a:xfrm>
+          <a:prstGeom prst="rect">
+            <a:avLst/>
+          </a:prstGeom>
+        </p:spPr>
+      </p:pic>
+      <p:pic>
+        <p:nvPicPr>
+          <p:cNvPr id="17" name="Grafik 16">
+            <a:extLst>
+              <a:ext uri="{FF2B5EF4-FFF2-40B4-BE49-F238E27FC236}">
+                <a16:creationId xmlns:a16="http://schemas.microsoft.com/office/drawing/2014/main" id="{04D5695B-901E-4B35-80A3-71A5D76497FA}"/>
+              </a:ext>
+            </a:extLst>
+          </p:cNvPr>
+          <p:cNvPicPr>
+            <a:picLocks noChangeAspect="1"/>
+          </p:cNvPicPr>
+          <p:nvPr/>
+        </p:nvPicPr>
+        <p:blipFill>
+          <a:blip r:embed="rId8">
+            <a:extLst>
+              <a:ext uri="{28A0092B-C50C-407E-A947-70E740481C1C}">
+                <a14:useLocalDpi xmlns:a14="http://schemas.microsoft.com/office/drawing/2010/main" val="0"/>
+              </a:ext>
+            </a:extLst>
+          </a:blip>
+          <a:stretch>
+            <a:fillRect/>
+          </a:stretch>
+        </p:blipFill>
+        <p:spPr>
+          <a:xfrm>
+            <a:off x="5212474" y="5788068"/>
+            <a:ext cx="883525" cy="883525"/>
+          </a:xfrm>
+          <a:prstGeom prst="rect">
+            <a:avLst/>
+          </a:prstGeom>
+        </p:spPr>
+      </p:pic>
+      <p:pic>
+        <p:nvPicPr>
+          <p:cNvPr id="19" name="Grafik 18" descr="Ein Bild, das Person, Anzug, draußen, Mann enthält.&#10;&#10;Automatisch generierte Beschreibung">
+            <a:extLst>
+              <a:ext uri="{FF2B5EF4-FFF2-40B4-BE49-F238E27FC236}">
+                <a16:creationId xmlns:a16="http://schemas.microsoft.com/office/drawing/2014/main" id="{79EC2CFC-2E7E-4B8E-88AF-5BFD4923544F}"/>
+              </a:ext>
+            </a:extLst>
+          </p:cNvPr>
+          <p:cNvPicPr>
+            <a:picLocks noChangeAspect="1"/>
+          </p:cNvPicPr>
+          <p:nvPr/>
+        </p:nvPicPr>
+        <p:blipFill rotWithShape="1">
+          <a:blip r:embed="rId9">
+            <a:extLst>
+              <a:ext uri="{28A0092B-C50C-407E-A947-70E740481C1C}">
+                <a14:useLocalDpi xmlns:a14="http://schemas.microsoft.com/office/drawing/2010/main" val="0"/>
+              </a:ext>
+            </a:extLst>
+          </a:blip>
+          <a:srcRect t="125" b="20447"/>
+          <a:stretch/>
+        </p:blipFill>
+        <p:spPr>
+          <a:xfrm>
+            <a:off x="8894864" y="5788067"/>
+            <a:ext cx="883525" cy="883525"/>
+          </a:xfrm>
+          <a:prstGeom prst="rect">
+            <a:avLst/>
+          </a:prstGeom>
+        </p:spPr>
+      </p:pic>
+      <p:pic>
+        <p:nvPicPr>
+          <p:cNvPr id="25" name="Grafik 24" descr="Ein Bild, das Text, Person enthält.&#10;&#10;Automatisch generierte Beschreibung">
+            <a:extLst>
+              <a:ext uri="{FF2B5EF4-FFF2-40B4-BE49-F238E27FC236}">
+                <a16:creationId xmlns:a16="http://schemas.microsoft.com/office/drawing/2014/main" id="{94C52C57-F35E-484B-B258-6A41CF68B39A}"/>
+              </a:ext>
+            </a:extLst>
+          </p:cNvPr>
+          <p:cNvPicPr>
+            <a:picLocks noChangeAspect="1"/>
+          </p:cNvPicPr>
+          <p:nvPr/>
+        </p:nvPicPr>
+        <p:blipFill rotWithShape="1">
+          <a:blip r:embed="rId10">
+            <a:extLst>
+              <a:ext uri="{28A0092B-C50C-407E-A947-70E740481C1C}">
+                <a14:useLocalDpi xmlns:a14="http://schemas.microsoft.com/office/drawing/2010/main" val="0"/>
+              </a:ext>
+            </a:extLst>
+          </a:blip>
+          <a:srcRect l="33844" r="34287" b="43345"/>
+          <a:stretch/>
+        </p:blipFill>
+        <p:spPr>
+          <a:xfrm>
+            <a:off x="9994016" y="5814654"/>
+            <a:ext cx="873519" cy="873519"/>
+          </a:xfrm>
+          <a:prstGeom prst="rect">
+            <a:avLst/>
+          </a:prstGeom>
+        </p:spPr>
+      </p:pic>
     </p:spTree>
     <p:extLst>
       <p:ext uri="{BB962C8B-B14F-4D97-AF65-F5344CB8AC3E}">

--- a/presentations/presentation-22_01_07.pptx
+++ b/presentations/presentation-22_01_07.pptx
@@ -2555,7 +2555,7 @@
           <a:p>
             <a:fld id="{220E90C1-1812-4DBA-8BC3-243E164DD920}" type="datetimeFigureOut">
               <a:rPr lang="de-DE" smtClean="0"/>
-              <a:t>06.01.2022</a:t>
+              <a:t>11.01.2022</a:t>
             </a:fld>
             <a:endParaRPr lang="de-DE"/>
           </a:p>
@@ -2732,7 +2732,7 @@
           <a:p>
             <a:fld id="{ECC88F86-1FE0-4504-8056-99B27974B43C}" type="datetimeFigureOut">
               <a:rPr lang="de-DE" smtClean="0"/>
-              <a:t>06.01.2022</a:t>
+              <a:t>11.01.2022</a:t>
             </a:fld>
             <a:endParaRPr lang="de-DE"/>
           </a:p>
@@ -3457,7 +3457,7 @@
           <a:p>
             <a:fld id="{6CF6AEE0-FFCC-4338-A6A0-8EC0549FD0D2}" type="datetime1">
               <a:rPr lang="de-DE" smtClean="0"/>
-              <a:t>06.01.2022</a:t>
+              <a:t>11.01.2022</a:t>
             </a:fld>
             <a:endParaRPr lang="de-DE"/>
           </a:p>
@@ -3658,7 +3658,7 @@
           <a:p>
             <a:fld id="{102EA7B4-8235-4049-A9E2-C2E9BB4C19A5}" type="datetime1">
               <a:rPr lang="de-DE" smtClean="0"/>
-              <a:t>06.01.2022</a:t>
+              <a:t>11.01.2022</a:t>
             </a:fld>
             <a:endParaRPr lang="de-DE"/>
           </a:p>
@@ -3869,7 +3869,7 @@
           <a:p>
             <a:fld id="{7A1A21A6-843D-4EE1-A64E-52C975740347}" type="datetime1">
               <a:rPr lang="de-DE" smtClean="0"/>
-              <a:t>06.01.2022</a:t>
+              <a:t>11.01.2022</a:t>
             </a:fld>
             <a:endParaRPr lang="de-DE"/>
           </a:p>
@@ -4070,7 +4070,7 @@
           <a:p>
             <a:fld id="{8EA85F8C-A6BE-41F7-8055-67B266496B2A}" type="datetime1">
               <a:rPr lang="de-DE" smtClean="0"/>
-              <a:t>06.01.2022</a:t>
+              <a:t>11.01.2022</a:t>
             </a:fld>
             <a:endParaRPr lang="de-DE"/>
           </a:p>
@@ -4348,7 +4348,7 @@
           <a:p>
             <a:fld id="{13BAA874-70E2-43E4-8068-4DB3F49C45B2}" type="datetime1">
               <a:rPr lang="de-DE" smtClean="0"/>
-              <a:t>06.01.2022</a:t>
+              <a:t>11.01.2022</a:t>
             </a:fld>
             <a:endParaRPr lang="de-DE"/>
           </a:p>
@@ -4616,7 +4616,7 @@
           <a:p>
             <a:fld id="{FD0FF26D-BF00-43E3-ADAB-0147CCF4BFB0}" type="datetime1">
               <a:rPr lang="de-DE" smtClean="0"/>
-              <a:t>06.01.2022</a:t>
+              <a:t>11.01.2022</a:t>
             </a:fld>
             <a:endParaRPr lang="de-DE"/>
           </a:p>
@@ -5031,7 +5031,7 @@
           <a:p>
             <a:fld id="{CECE6D5F-9FBA-403C-8B12-8EA160498318}" type="datetime1">
               <a:rPr lang="de-DE" smtClean="0"/>
-              <a:t>06.01.2022</a:t>
+              <a:t>11.01.2022</a:t>
             </a:fld>
             <a:endParaRPr lang="de-DE"/>
           </a:p>
@@ -5175,7 +5175,7 @@
           <a:p>
             <a:fld id="{5244E304-0BC8-4BCD-A3FA-59B1289BB048}" type="datetime1">
               <a:rPr lang="de-DE" smtClean="0"/>
-              <a:t>06.01.2022</a:t>
+              <a:t>11.01.2022</a:t>
             </a:fld>
             <a:endParaRPr lang="de-DE"/>
           </a:p>
@@ -5291,7 +5291,7 @@
           <a:p>
             <a:fld id="{8892E17F-3BC7-4808-8AFF-AD4889CACAF0}" type="datetime1">
               <a:rPr lang="de-DE" smtClean="0"/>
-              <a:t>06.01.2022</a:t>
+              <a:t>11.01.2022</a:t>
             </a:fld>
             <a:endParaRPr lang="de-DE"/>
           </a:p>
@@ -5605,7 +5605,7 @@
           <a:p>
             <a:fld id="{15B617E0-2FCB-43A8-9BB6-0A45BF23E0A7}" type="datetime1">
               <a:rPr lang="de-DE" smtClean="0"/>
-              <a:t>06.01.2022</a:t>
+              <a:t>11.01.2022</a:t>
             </a:fld>
             <a:endParaRPr lang="de-DE"/>
           </a:p>
@@ -5896,7 +5896,7 @@
           <a:p>
             <a:fld id="{3BD35B25-4D31-437E-8174-2070B28230C9}" type="datetime1">
               <a:rPr lang="de-DE" smtClean="0"/>
-              <a:t>06.01.2022</a:t>
+              <a:t>11.01.2022</a:t>
             </a:fld>
             <a:endParaRPr lang="de-DE"/>
           </a:p>
@@ -6140,7 +6140,7 @@
           <a:p>
             <a:fld id="{4135CC20-7D17-4568-8064-FC6D9DE4F70A}" type="datetime1">
               <a:rPr lang="de-DE" smtClean="0"/>
-              <a:t>06.01.2022</a:t>
+              <a:t>11.01.2022</a:t>
             </a:fld>
             <a:endParaRPr lang="de-DE"/>
           </a:p>
@@ -7282,7 +7282,7 @@
           <a:p>
             <a:fld id="{EDAC2679-D57E-47AA-8DF3-A9EC88001B1E}" type="datetime1">
               <a:rPr lang="de-DE" smtClean="0"/>
-              <a:t>06.01.2022</a:t>
+              <a:t>11.01.2022</a:t>
             </a:fld>
             <a:endParaRPr lang="de-DE"/>
           </a:p>
@@ -7835,7 +7835,7 @@
           <a:p>
             <a:fld id="{2BA54126-848D-4791-BE3C-604C078ACD17}" type="datetime1">
               <a:rPr lang="de-DE" smtClean="0"/>
-              <a:t>06.01.2022</a:t>
+              <a:t>11.01.2022</a:t>
             </a:fld>
             <a:endParaRPr lang="de-DE"/>
           </a:p>
@@ -8410,7 +8410,7 @@
           <a:p>
             <a:fld id="{3B640858-E21B-4129-BE1F-87A649C8A355}" type="datetime1">
               <a:rPr lang="de-DE" smtClean="0"/>
-              <a:t>06.01.2022</a:t>
+              <a:t>11.01.2022</a:t>
             </a:fld>
             <a:endParaRPr lang="de-DE"/>
           </a:p>
@@ -8918,7 +8918,7 @@
           <a:p>
             <a:fld id="{577718E2-FD2C-44F6-A4ED-2384233922B4}" type="datetime1">
               <a:rPr lang="de-DE" smtClean="0"/>
-              <a:t>06.01.2022</a:t>
+              <a:t>11.01.2022</a:t>
             </a:fld>
             <a:endParaRPr lang="de-DE"/>
           </a:p>
@@ -9614,7 +9614,7 @@
           <a:p>
             <a:fld id="{0EFB3004-7784-4603-B427-603FE644AE04}" type="datetime1">
               <a:rPr lang="de-DE" smtClean="0"/>
-              <a:t>06.01.2022</a:t>
+              <a:t>11.01.2022</a:t>
             </a:fld>
             <a:endParaRPr lang="de-DE" dirty="0"/>
           </a:p>
@@ -10870,7 +10870,7 @@
           <a:p>
             <a:fld id="{FE4017DD-3BB0-4D18-B597-D7A35C453753}" type="datetime1">
               <a:rPr lang="de-DE" smtClean="0"/>
-              <a:t>06.01.2022</a:t>
+              <a:t>11.01.2022</a:t>
             </a:fld>
             <a:endParaRPr lang="de-DE"/>
           </a:p>
@@ -12429,7 +12429,7 @@
           <a:p>
             <a:fld id="{D37E075D-02FB-4C59-9EB6-3033CC686447}" type="datetime1">
               <a:rPr lang="de-DE" smtClean="0"/>
-              <a:t>06.01.2022</a:t>
+              <a:t>11.01.2022</a:t>
             </a:fld>
             <a:endParaRPr lang="de-DE"/>
           </a:p>
@@ -12963,7 +12963,7 @@
           <a:p>
             <a:fld id="{B6615063-99AA-49BD-A16A-E9C5C8A97CEC}" type="datetime1">
               <a:rPr lang="de-DE" smtClean="0"/>
-              <a:t>06.01.2022</a:t>
+              <a:t>11.01.2022</a:t>
             </a:fld>
             <a:endParaRPr lang="de-DE"/>
           </a:p>
@@ -13512,7 +13512,7 @@
           <a:p>
             <a:fld id="{B6615063-99AA-49BD-A16A-E9C5C8A97CEC}" type="datetime1">
               <a:rPr lang="de-DE" smtClean="0"/>
-              <a:t>06.01.2022</a:t>
+              <a:t>11.01.2022</a:t>
             </a:fld>
             <a:endParaRPr lang="de-DE" dirty="0"/>
           </a:p>
@@ -13967,7 +13967,7 @@
           <a:p>
             <a:fld id="{B6615063-99AA-49BD-A16A-E9C5C8A97CEC}" type="datetime1">
               <a:rPr lang="de-DE" smtClean="0"/>
-              <a:t>06.01.2022</a:t>
+              <a:t>11.01.2022</a:t>
             </a:fld>
             <a:endParaRPr lang="de-DE"/>
           </a:p>
@@ -15439,8 +15439,12 @@
               <a:rPr lang="de-DE" sz="4000" dirty="0"/>
             </a:br>
             <a:r>
+              <a:rPr lang="de-DE" sz="2700"/>
+              <a:t>Was ist unserer </a:t>
+            </a:r>
+            <a:r>
               <a:rPr lang="de-DE" sz="2700" dirty="0"/>
-              <a:t>Was unserer Bank wichtig?</a:t>
+              <a:t>Bank wichtig?</a:t>
             </a:r>
           </a:p>
         </p:txBody>
@@ -15679,7 +15683,7 @@
           <a:p>
             <a:fld id="{B6615063-99AA-49BD-A16A-E9C5C8A97CEC}" type="datetime1">
               <a:rPr lang="de-DE" smtClean="0"/>
-              <a:t>06.01.2022</a:t>
+              <a:t>11.01.2022</a:t>
             </a:fld>
             <a:endParaRPr lang="de-DE"/>
           </a:p>
@@ -16327,7 +16331,7 @@
           <a:p>
             <a:fld id="{B6615063-99AA-49BD-A16A-E9C5C8A97CEC}" type="datetime1">
               <a:rPr lang="de-DE" smtClean="0"/>
-              <a:t>06.01.2022</a:t>
+              <a:t>11.01.2022</a:t>
             </a:fld>
             <a:endParaRPr lang="de-DE" dirty="0"/>
           </a:p>
@@ -17227,7 +17231,7 @@
           <a:p>
             <a:fld id="{B6615063-99AA-49BD-A16A-E9C5C8A97CEC}" type="datetime1">
               <a:rPr lang="de-DE" smtClean="0"/>
-              <a:t>06.01.2022</a:t>
+              <a:t>11.01.2022</a:t>
             </a:fld>
             <a:endParaRPr lang="de-DE"/>
           </a:p>
@@ -18085,7 +18089,7 @@
           <a:p>
             <a:fld id="{B6615063-99AA-49BD-A16A-E9C5C8A97CEC}" type="datetime1">
               <a:rPr lang="de-DE" smtClean="0"/>
-              <a:t>06.01.2022</a:t>
+              <a:t>11.01.2022</a:t>
             </a:fld>
             <a:endParaRPr lang="de-DE"/>
           </a:p>
@@ -18832,7 +18836,7 @@
           <a:p>
             <a:fld id="{B6615063-99AA-49BD-A16A-E9C5C8A97CEC}" type="datetime1">
               <a:rPr lang="de-DE" smtClean="0"/>
-              <a:t>06.01.2022</a:t>
+              <a:t>11.01.2022</a:t>
             </a:fld>
             <a:endParaRPr lang="de-DE"/>
           </a:p>
@@ -19516,7 +19520,7 @@
           <a:p>
             <a:fld id="{B6615063-99AA-49BD-A16A-E9C5C8A97CEC}" type="datetime1">
               <a:rPr lang="de-DE" smtClean="0"/>
-              <a:t>06.01.2022</a:t>
+              <a:t>11.01.2022</a:t>
             </a:fld>
             <a:endParaRPr lang="de-DE"/>
           </a:p>
@@ -20179,7 +20183,7 @@
           <a:p>
             <a:fld id="{B6615063-99AA-49BD-A16A-E9C5C8A97CEC}" type="datetime1">
               <a:rPr lang="de-DE" smtClean="0"/>
-              <a:t>06.01.2022</a:t>
+              <a:t>11.01.2022</a:t>
             </a:fld>
             <a:endParaRPr lang="de-DE"/>
           </a:p>
@@ -20842,7 +20846,7 @@
           <a:p>
             <a:fld id="{B6615063-99AA-49BD-A16A-E9C5C8A97CEC}" type="datetime1">
               <a:rPr lang="de-DE" smtClean="0"/>
-              <a:t>06.01.2022</a:t>
+              <a:t>11.01.2022</a:t>
             </a:fld>
             <a:endParaRPr lang="de-DE"/>
           </a:p>
@@ -21392,7 +21396,7 @@
           <a:p>
             <a:fld id="{B6615063-99AA-49BD-A16A-E9C5C8A97CEC}" type="datetime1">
               <a:rPr lang="de-DE" smtClean="0"/>
-              <a:t>06.01.2022</a:t>
+              <a:t>11.01.2022</a:t>
             </a:fld>
             <a:endParaRPr lang="de-DE" dirty="0"/>
           </a:p>
@@ -22047,7 +22051,7 @@
           <a:p>
             <a:fld id="{B6615063-99AA-49BD-A16A-E9C5C8A97CEC}" type="datetime1">
               <a:rPr lang="de-DE" smtClean="0"/>
-              <a:t>06.01.2022</a:t>
+              <a:t>11.01.2022</a:t>
             </a:fld>
             <a:endParaRPr lang="de-DE"/>
           </a:p>
@@ -22710,7 +22714,7 @@
           <a:p>
             <a:fld id="{B6615063-99AA-49BD-A16A-E9C5C8A97CEC}" type="datetime1">
               <a:rPr lang="de-DE" smtClean="0"/>
-              <a:t>06.01.2022</a:t>
+              <a:t>11.01.2022</a:t>
             </a:fld>
             <a:endParaRPr lang="de-DE"/>
           </a:p>
@@ -23166,7 +23170,7 @@
           <a:p>
             <a:fld id="{B6615063-99AA-49BD-A16A-E9C5C8A97CEC}" type="datetime1">
               <a:rPr lang="de-DE" smtClean="0"/>
-              <a:t>06.01.2022</a:t>
+              <a:t>11.01.2022</a:t>
             </a:fld>
             <a:endParaRPr lang="de-DE"/>
           </a:p>
@@ -23651,7 +23655,7 @@
           <a:p>
             <a:fld id="{B6615063-99AA-49BD-A16A-E9C5C8A97CEC}" type="datetime1">
               <a:rPr lang="de-DE" smtClean="0"/>
-              <a:t>06.01.2022</a:t>
+              <a:t>11.01.2022</a:t>
             </a:fld>
             <a:endParaRPr lang="de-DE"/>
           </a:p>
@@ -25186,7 +25190,7 @@
           <a:p>
             <a:fld id="{B6615063-99AA-49BD-A16A-E9C5C8A97CEC}" type="datetime1">
               <a:rPr lang="de-DE" smtClean="0"/>
-              <a:t>06.01.2022</a:t>
+              <a:t>11.01.2022</a:t>
             </a:fld>
             <a:endParaRPr lang="de-DE"/>
           </a:p>
@@ -27609,7 +27613,7 @@
           <a:p>
             <a:fld id="{33FA3B46-82E9-40F2-9BA6-6D9633BADDB8}" type="datetime1">
               <a:rPr lang="de-DE" smtClean="0"/>
-              <a:t>06.01.2022</a:t>
+              <a:t>11.01.2022</a:t>
             </a:fld>
             <a:endParaRPr lang="de-DE"/>
           </a:p>
@@ -28769,7 +28773,7 @@
           <a:p>
             <a:fld id="{B6615063-99AA-49BD-A16A-E9C5C8A97CEC}" type="datetime1">
               <a:rPr lang="de-DE" smtClean="0"/>
-              <a:t>06.01.2022</a:t>
+              <a:t>11.01.2022</a:t>
             </a:fld>
             <a:endParaRPr lang="de-DE"/>
           </a:p>
@@ -29488,7 +29492,7 @@
           <a:p>
             <a:fld id="{B6615063-99AA-49BD-A16A-E9C5C8A97CEC}" type="datetime1">
               <a:rPr lang="de-DE" smtClean="0"/>
-              <a:t>06.01.2022</a:t>
+              <a:t>11.01.2022</a:t>
             </a:fld>
             <a:endParaRPr lang="de-DE"/>
           </a:p>
@@ -30206,7 +30210,7 @@
           <a:p>
             <a:fld id="{B6615063-99AA-49BD-A16A-E9C5C8A97CEC}" type="datetime1">
               <a:rPr lang="de-DE" smtClean="0"/>
-              <a:t>06.01.2022</a:t>
+              <a:t>11.01.2022</a:t>
             </a:fld>
             <a:endParaRPr lang="de-DE"/>
           </a:p>
@@ -30559,7 +30563,7 @@
           <a:p>
             <a:fld id="{8EA85F8C-A6BE-41F7-8055-67B266496B2A}" type="datetime1">
               <a:rPr lang="de-DE" smtClean="0"/>
-              <a:t>06.01.2022</a:t>
+              <a:t>11.01.2022</a:t>
             </a:fld>
             <a:endParaRPr lang="de-DE"/>
           </a:p>
@@ -31040,12 +31044,6 @@
           <a:p>
             <a:r>
               <a:rPr lang="de-DE" sz="2200" dirty="0"/>
-              <a:t>Hohe Datenschutz-Vorkehrungen</a:t>
-            </a:r>
-          </a:p>
-          <a:p>
-            <a:r>
-              <a:rPr lang="de-DE" sz="2200" dirty="0"/>
               <a:t>Vorsprung im Markt</a:t>
             </a:r>
           </a:p>
@@ -31116,7 +31114,7 @@
           <a:p>
             <a:fld id="{84236BB5-44EB-4A6F-A826-F11544B4CBAE}" type="datetime1">
               <a:rPr lang="de-DE" smtClean="0"/>
-              <a:t>06.01.2022</a:t>
+              <a:t>11.01.2022</a:t>
             </a:fld>
             <a:endParaRPr lang="de-DE"/>
           </a:p>
@@ -31633,7 +31631,7 @@
           <a:p>
             <a:fld id="{23B1BEEE-8B9B-4880-ABE9-6DC830F4D1DD}" type="datetime1">
               <a:rPr lang="de-DE" smtClean="0"/>
-              <a:t>06.01.2022</a:t>
+              <a:t>11.01.2022</a:t>
             </a:fld>
             <a:endParaRPr lang="de-DE"/>
           </a:p>
@@ -32155,7 +32153,7 @@
           <a:p>
             <a:fld id="{67DC80FB-52E2-487F-8768-6F235F5FA32D}" type="datetime1">
               <a:rPr lang="de-DE" smtClean="0"/>
-              <a:t>06.01.2022</a:t>
+              <a:t>11.01.2022</a:t>
             </a:fld>
             <a:endParaRPr lang="de-DE" dirty="0"/>
           </a:p>
@@ -32701,7 +32699,7 @@
           <a:p>
             <a:fld id="{E5C713E6-F28B-4493-A905-95C2264821E1}" type="datetime1">
               <a:rPr lang="de-DE" smtClean="0"/>
-              <a:t>06.01.2022</a:t>
+              <a:t>11.01.2022</a:t>
             </a:fld>
             <a:endParaRPr lang="de-DE"/>
           </a:p>
@@ -33293,7 +33291,7 @@
           <a:p>
             <a:fld id="{0C8883F6-DA6D-4FB9-9A29-233C93CC7F54}" type="datetime1">
               <a:rPr lang="de-DE" smtClean="0"/>
-              <a:t>06.01.2022</a:t>
+              <a:t>11.01.2022</a:t>
             </a:fld>
             <a:endParaRPr lang="de-DE"/>
           </a:p>
